--- a/exercises/state_space/state_space_exercise.pptx
+++ b/exercises/state_space/state_space_exercise.pptx
@@ -5,7 +5,7 @@
     <p:sldMasterId id="2147483648" r:id="rId1"/>
   </p:sldMasterIdLst>
   <p:notesMasterIdLst>
-    <p:notesMasterId r:id="rId14"/>
+    <p:notesMasterId r:id="rId13"/>
   </p:notesMasterIdLst>
   <p:sldIdLst>
     <p:sldId id="266" r:id="rId2"/>
@@ -15,11 +15,10 @@
     <p:sldId id="6347" r:id="rId6"/>
     <p:sldId id="6329" r:id="rId7"/>
     <p:sldId id="6337" r:id="rId8"/>
-    <p:sldId id="6338" r:id="rId9"/>
-    <p:sldId id="6343" r:id="rId10"/>
-    <p:sldId id="6344" r:id="rId11"/>
-    <p:sldId id="6348" r:id="rId12"/>
-    <p:sldId id="546" r:id="rId13"/>
+    <p:sldId id="6343" r:id="rId9"/>
+    <p:sldId id="6344" r:id="rId10"/>
+    <p:sldId id="6348" r:id="rId11"/>
+    <p:sldId id="546" r:id="rId12"/>
   </p:sldIdLst>
   <p:sldSz cx="12192000" cy="6858000"/>
   <p:notesSz cx="6858000" cy="9144000"/>
@@ -208,7 +207,7 @@
           <a:p>
             <a:fld id="{99D4630A-6D3B-4C97-A7DC-509EB0048625}" type="datetimeFigureOut">
               <a:rPr lang="it-CH" smtClean="0"/>
-              <a:t>24.06.25</a:t>
+              <a:t>29.06.25</a:t>
             </a:fld>
             <a:endParaRPr lang="it-CH"/>
           </a:p>
@@ -577,107 +576,6 @@
 </p:notes>
 </file>
 
-<file path=ppt/notesSlides/notesSlide10.xml><?xml version="1.0" encoding="utf-8"?>
-<p:notes xmlns:a="http://schemas.openxmlformats.org/drawingml/2006/main" xmlns:r="http://schemas.openxmlformats.org/officeDocument/2006/relationships" xmlns:p="http://schemas.openxmlformats.org/presentationml/2006/main">
-  <p:cSld>
-    <p:spTree>
-      <p:nvGrpSpPr>
-        <p:cNvPr id="1" name=""/>
-        <p:cNvGrpSpPr/>
-        <p:nvPr/>
-      </p:nvGrpSpPr>
-      <p:grpSpPr>
-        <a:xfrm>
-          <a:off x="0" y="0"/>
-          <a:ext cx="0" cy="0"/>
-          <a:chOff x="0" y="0"/>
-          <a:chExt cx="0" cy="0"/>
-        </a:xfrm>
-      </p:grpSpPr>
-      <p:sp>
-        <p:nvSpPr>
-          <p:cNvPr id="2" name="Segnaposto immagine diapositiva 1"/>
-          <p:cNvSpPr>
-            <a:spLocks noGrp="1" noRot="1" noChangeAspect="1"/>
-          </p:cNvSpPr>
-          <p:nvPr>
-            <p:ph type="sldImg"/>
-          </p:nvPr>
-        </p:nvSpPr>
-        <p:spPr/>
-      </p:sp>
-      <p:sp>
-        <p:nvSpPr>
-          <p:cNvPr id="3" name="Segnaposto note 2"/>
-          <p:cNvSpPr>
-            <a:spLocks noGrp="1"/>
-          </p:cNvSpPr>
-          <p:nvPr>
-            <p:ph type="body" idx="1"/>
-          </p:nvPr>
-        </p:nvSpPr>
-        <p:spPr/>
-        <p:txBody>
-          <a:bodyPr/>
-          <a:lstStyle/>
-          <a:p>
-            <a:pPr marL="0" marR="0" lvl="0" indent="0" algn="l" defTabSz="914400" rtl="0" eaLnBrk="1" fontAlgn="auto" latinLnBrk="0" hangingPunct="1">
-              <a:lnSpc>
-                <a:spcPct val="100000"/>
-              </a:lnSpc>
-              <a:spcBef>
-                <a:spcPts val="0"/>
-              </a:spcBef>
-              <a:spcAft>
-                <a:spcPts val="0"/>
-              </a:spcAft>
-              <a:buClrTx/>
-              <a:buSzTx/>
-              <a:buFontTx/>
-              <a:buNone/>
-              <a:tabLst/>
-              <a:defRPr/>
-            </a:pPr>
-            <a:endParaRPr lang="it-CH" dirty="0"/>
-          </a:p>
-        </p:txBody>
-      </p:sp>
-      <p:sp>
-        <p:nvSpPr>
-          <p:cNvPr id="4" name="Segnaposto numero diapositiva 3"/>
-          <p:cNvSpPr>
-            <a:spLocks noGrp="1"/>
-          </p:cNvSpPr>
-          <p:nvPr>
-            <p:ph type="sldNum" sz="quarter" idx="5"/>
-          </p:nvPr>
-        </p:nvSpPr>
-        <p:spPr/>
-        <p:txBody>
-          <a:bodyPr/>
-          <a:lstStyle/>
-          <a:p>
-            <a:fld id="{B6A6F0FA-31D0-AB4D-9BAD-FF9E467B93C7}" type="slidenum">
-              <a:rPr lang="it-CH" smtClean="0"/>
-              <a:t>11</a:t>
-            </a:fld>
-            <a:endParaRPr lang="it-CH"/>
-          </a:p>
-        </p:txBody>
-      </p:sp>
-    </p:spTree>
-    <p:extLst>
-      <p:ext uri="{BB962C8B-B14F-4D97-AF65-F5344CB8AC3E}">
-        <p14:creationId xmlns:p14="http://schemas.microsoft.com/office/powerpoint/2010/main" val="2832222192"/>
-      </p:ext>
-    </p:extLst>
-  </p:cSld>
-  <p:clrMapOvr>
-    <a:masterClrMapping/>
-  </p:clrMapOvr>
-</p:notes>
-</file>
-
 <file path=ppt/notesSlides/notesSlide2.xml><?xml version="1.0" encoding="utf-8"?>
 <p:notes xmlns:a="http://schemas.openxmlformats.org/drawingml/2006/main" xmlns:r="http://schemas.openxmlformats.org/officeDocument/2006/relationships" xmlns:p="http://schemas.openxmlformats.org/presentationml/2006/main">
   <p:cSld>
@@ -1304,7 +1202,7 @@
     </p:spTree>
     <p:extLst>
       <p:ext uri="{BB962C8B-B14F-4D97-AF65-F5344CB8AC3E}">
-        <p14:creationId xmlns:p14="http://schemas.microsoft.com/office/powerpoint/2010/main" val="3063243587"/>
+        <p14:creationId xmlns:p14="http://schemas.microsoft.com/office/powerpoint/2010/main" val="1305387404"/>
       </p:ext>
     </p:extLst>
   </p:cSld>
@@ -1375,10 +1273,7 @@
               <a:tabLst/>
               <a:defRPr/>
             </a:pPr>
-            <a:r>
-              <a:rPr lang="it-CH" dirty="0"/>
-              <a:t>https://github.com/pytorch/examples/blob/main/word_language_model/main.py</a:t>
-            </a:r>
+            <a:endParaRPr lang="it-CH" dirty="0"/>
           </a:p>
         </p:txBody>
       </p:sp>
@@ -1408,7 +1303,7 @@
     </p:spTree>
     <p:extLst>
       <p:ext uri="{BB962C8B-B14F-4D97-AF65-F5344CB8AC3E}">
-        <p14:creationId xmlns:p14="http://schemas.microsoft.com/office/powerpoint/2010/main" val="1305387404"/>
+        <p14:creationId xmlns:p14="http://schemas.microsoft.com/office/powerpoint/2010/main" val="3661144850"/>
       </p:ext>
     </p:extLst>
   </p:cSld>
@@ -1509,7 +1404,7 @@
     </p:spTree>
     <p:extLst>
       <p:ext uri="{BB962C8B-B14F-4D97-AF65-F5344CB8AC3E}">
-        <p14:creationId xmlns:p14="http://schemas.microsoft.com/office/powerpoint/2010/main" val="3661144850"/>
+        <p14:creationId xmlns:p14="http://schemas.microsoft.com/office/powerpoint/2010/main" val="2832222192"/>
       </p:ext>
     </p:extLst>
   </p:cSld>
@@ -1671,7 +1566,7 @@
           <a:p>
             <a:fld id="{2A147C38-CC24-4E9D-9FE1-BE5105214113}" type="datetimeFigureOut">
               <a:rPr lang="it-CH" smtClean="0"/>
-              <a:t>24.06.25</a:t>
+              <a:t>29.06.25</a:t>
             </a:fld>
             <a:endParaRPr lang="it-CH"/>
           </a:p>
@@ -1879,7 +1774,7 @@
           <a:p>
             <a:fld id="{2A147C38-CC24-4E9D-9FE1-BE5105214113}" type="datetimeFigureOut">
               <a:rPr lang="it-CH" smtClean="0"/>
-              <a:t>24.06.25</a:t>
+              <a:t>29.06.25</a:t>
             </a:fld>
             <a:endParaRPr lang="it-CH"/>
           </a:p>
@@ -2092,7 +1987,7 @@
           <a:p>
             <a:fld id="{2A147C38-CC24-4E9D-9FE1-BE5105214113}" type="datetimeFigureOut">
               <a:rPr lang="it-CH" smtClean="0"/>
-              <a:t>24.06.25</a:t>
+              <a:t>29.06.25</a:t>
             </a:fld>
             <a:endParaRPr lang="it-CH"/>
           </a:p>
@@ -2423,7 +2318,7 @@
           <a:p>
             <a:fld id="{2A147C38-CC24-4E9D-9FE1-BE5105214113}" type="datetimeFigureOut">
               <a:rPr lang="it-CH" smtClean="0"/>
-              <a:t>24.06.25</a:t>
+              <a:t>29.06.25</a:t>
             </a:fld>
             <a:endParaRPr lang="it-CH"/>
           </a:p>
@@ -2702,7 +2597,7 @@
           <a:p>
             <a:fld id="{2A147C38-CC24-4E9D-9FE1-BE5105214113}" type="datetimeFigureOut">
               <a:rPr lang="it-CH" smtClean="0"/>
-              <a:t>24.06.25</a:t>
+              <a:t>29.06.25</a:t>
             </a:fld>
             <a:endParaRPr lang="it-CH"/>
           </a:p>
@@ -2978,7 +2873,7 @@
           <a:p>
             <a:fld id="{2A147C38-CC24-4E9D-9FE1-BE5105214113}" type="datetimeFigureOut">
               <a:rPr lang="it-CH" smtClean="0"/>
-              <a:t>24.06.25</a:t>
+              <a:t>29.06.25</a:t>
             </a:fld>
             <a:endParaRPr lang="it-CH"/>
           </a:p>
@@ -3396,7 +3291,7 @@
           <a:p>
             <a:fld id="{2A147C38-CC24-4E9D-9FE1-BE5105214113}" type="datetimeFigureOut">
               <a:rPr lang="it-CH" smtClean="0"/>
-              <a:t>24.06.25</a:t>
+              <a:t>29.06.25</a:t>
             </a:fld>
             <a:endParaRPr lang="it-CH"/>
           </a:p>
@@ -3546,7 +3441,7 @@
           <a:p>
             <a:fld id="{2A147C38-CC24-4E9D-9FE1-BE5105214113}" type="datetimeFigureOut">
               <a:rPr lang="it-CH" smtClean="0"/>
-              <a:t>24.06.25</a:t>
+              <a:t>29.06.25</a:t>
             </a:fld>
             <a:endParaRPr lang="it-CH"/>
           </a:p>
@@ -3659,7 +3554,7 @@
           <a:p>
             <a:fld id="{2A147C38-CC24-4E9D-9FE1-BE5105214113}" type="datetimeFigureOut">
               <a:rPr lang="it-CH" smtClean="0"/>
-              <a:t>24.06.25</a:t>
+              <a:t>29.06.25</a:t>
             </a:fld>
             <a:endParaRPr lang="it-CH"/>
           </a:p>
@@ -3975,7 +3870,7 @@
           <a:p>
             <a:fld id="{2A147C38-CC24-4E9D-9FE1-BE5105214113}" type="datetimeFigureOut">
               <a:rPr lang="it-CH" smtClean="0"/>
-              <a:t>24.06.25</a:t>
+              <a:t>29.06.25</a:t>
             </a:fld>
             <a:endParaRPr lang="it-CH"/>
           </a:p>
@@ -4267,7 +4162,7 @@
           <a:p>
             <a:fld id="{2A147C38-CC24-4E9D-9FE1-BE5105214113}" type="datetimeFigureOut">
               <a:rPr lang="it-CH" smtClean="0"/>
-              <a:t>24.06.25</a:t>
+              <a:t>29.06.25</a:t>
             </a:fld>
             <a:endParaRPr lang="it-CH"/>
           </a:p>
@@ -4510,7 +4405,7 @@
           <a:p>
             <a:fld id="{2A147C38-CC24-4E9D-9FE1-BE5105214113}" type="datetimeFigureOut">
               <a:rPr lang="it-CH" smtClean="0"/>
-              <a:t>24.06.25</a:t>
+              <a:t>29.06.25</a:t>
             </a:fld>
             <a:endParaRPr lang="it-CH"/>
           </a:p>
@@ -4992,7 +4887,7 @@
                   </a:schemeClr>
                 </a:solidFill>
               </a:rPr>
-              <a:t>Deep learning for state-space identification</a:t>
+              <a:t>Neural State-Space models</a:t>
             </a:r>
           </a:p>
           <a:p>
@@ -5002,7 +4897,7 @@
               </a:lnSpc>
             </a:pPr>
             <a:r>
-              <a:rPr lang="en-US" sz="2400">
+              <a:rPr lang="en-US" sz="2400" dirty="0">
                 <a:solidFill>
                   <a:schemeClr val="accent1">
                     <a:lumMod val="75000"/>
@@ -5011,13 +4906,6 @@
               </a:rPr>
               <a:t>Exercises</a:t>
             </a:r>
-            <a:endParaRPr lang="en-US" sz="2400" dirty="0">
-              <a:solidFill>
-                <a:schemeClr val="accent1">
-                  <a:lumMod val="75000"/>
-                </a:schemeClr>
-              </a:solidFill>
-            </a:endParaRPr>
           </a:p>
           <a:p>
             <a:pPr>
@@ -5387,7 +5275,7 @@
                   <a:schemeClr val="accent1"/>
                 </a:solidFill>
               </a:rPr>
-              <a:t>Simulation error minimization – model #2</a:t>
+              <a:t>Simulation error minimization – model #3</a:t>
             </a:r>
           </a:p>
         </p:txBody>
@@ -5435,381 +5323,6 @@
           </a:fontRef>
         </p:style>
       </p:cxnSp>
-      <mc:AlternateContent xmlns:mc="http://schemas.openxmlformats.org/markup-compatibility/2006">
-        <mc:Choice xmlns:a14="http://schemas.microsoft.com/office/drawing/2010/main" Requires="a14">
-          <p:sp>
-            <p:nvSpPr>
-              <p:cNvPr id="2" name="CasellaDiTesto 1">
-                <a:extLst>
-                  <a:ext uri="{FF2B5EF4-FFF2-40B4-BE49-F238E27FC236}">
-                    <a16:creationId xmlns:a16="http://schemas.microsoft.com/office/drawing/2014/main" id="{A2DE14E0-CC7B-02C4-B850-8C14C7345D75}"/>
-                  </a:ext>
-                </a:extLst>
-              </p:cNvPr>
-              <p:cNvSpPr txBox="1"/>
-              <p:nvPr/>
-            </p:nvSpPr>
-            <p:spPr>
-              <a:xfrm>
-                <a:off x="47625" y="704850"/>
-                <a:ext cx="12192000" cy="3539430"/>
-              </a:xfrm>
-              <a:prstGeom prst="rect">
-                <a:avLst/>
-              </a:prstGeom>
-              <a:noFill/>
-            </p:spPr>
-            <p:txBody>
-              <a:bodyPr wrap="square" rtlCol="0">
-                <a:spAutoFit/>
-              </a:bodyPr>
-              <a:lstStyle/>
-              <a:p>
-                <a:endParaRPr lang="it-CH" sz="2400" dirty="0"/>
-              </a:p>
-              <a:p>
-                <a:r>
-                  <a:rPr lang="it-CH" sz="2000" dirty="0"/>
-                  <a:t>Let us implement </a:t>
-                </a:r>
-                <a:r>
-                  <a:rPr lang="it-CH" sz="2000" b="1" dirty="0"/>
-                  <a:t>simulation error minimization</a:t>
-                </a:r>
-              </a:p>
-              <a:p>
-                <a:endParaRPr lang="it-CH" sz="2000" dirty="0"/>
-              </a:p>
-              <a:p>
-                <a:endParaRPr lang="it-CH" sz="2000" dirty="0"/>
-              </a:p>
-              <a:p>
-                <a:endParaRPr lang="it-CH" sz="2000" dirty="0"/>
-              </a:p>
-              <a:p>
-                <a:endParaRPr lang="it-CH" sz="2000" dirty="0"/>
-              </a:p>
-              <a:p>
-                <a:endParaRPr lang="it-CH" sz="2000" dirty="0"/>
-              </a:p>
-              <a:p>
-                <a:endParaRPr lang="it-CH" sz="2000" dirty="0"/>
-              </a:p>
-              <a:p>
-                <a:endParaRPr lang="it-CH" sz="2000" dirty="0"/>
-              </a:p>
-              <a:p>
-                <a:r>
-                  <a:rPr lang="it-CH" sz="2000" dirty="0"/>
-                  <a:t>Where </a:t>
-                </a:r>
-                <a14:m>
-                  <m:oMath xmlns:m="http://schemas.openxmlformats.org/officeDocument/2006/math">
-                    <m:r>
-                      <a:rPr lang="it-CH" sz="2000" i="1" dirty="0" smtClean="0">
-                        <a:latin typeface="Cambria Math" panose="02040503050406030204" pitchFamily="18" charset="0"/>
-                      </a:rPr>
-                      <m:t>𝑓</m:t>
-                    </m:r>
-                  </m:oMath>
-                </a14:m>
-                <a:r>
-                  <a:rPr lang="it-CH" sz="2000" dirty="0"/>
-                  <a:t> is a generic feed-forward neural networks and the second state is observed:</a:t>
-                </a:r>
-              </a:p>
-              <a:p>
-                <a:endParaRPr lang="it-CH" sz="2000" dirty="0"/>
-              </a:p>
-            </p:txBody>
-          </p:sp>
-        </mc:Choice>
-        <mc:Fallback>
-          <p:sp>
-            <p:nvSpPr>
-              <p:cNvPr id="2" name="CasellaDiTesto 1">
-                <a:extLst>
-                  <a:ext uri="{FF2B5EF4-FFF2-40B4-BE49-F238E27FC236}">
-                    <a16:creationId xmlns:a16="http://schemas.microsoft.com/office/drawing/2014/main" id="{A2DE14E0-CC7B-02C4-B850-8C14C7345D75}"/>
-                  </a:ext>
-                </a:extLst>
-              </p:cNvPr>
-              <p:cNvSpPr txBox="1">
-                <a:spLocks noRot="1" noChangeAspect="1" noMove="1" noResize="1" noEditPoints="1" noAdjustHandles="1" noChangeArrowheads="1" noChangeShapeType="1" noTextEdit="1"/>
-              </p:cNvSpPr>
-              <p:nvPr/>
-            </p:nvSpPr>
-            <p:spPr>
-              <a:xfrm>
-                <a:off x="47625" y="704850"/>
-                <a:ext cx="12192000" cy="3539430"/>
-              </a:xfrm>
-              <a:prstGeom prst="rect">
-                <a:avLst/>
-              </a:prstGeom>
-              <a:blipFill>
-                <a:blip r:embed="rId5"/>
-                <a:stretch>
-                  <a:fillRect l="-520"/>
-                </a:stretch>
-              </a:blipFill>
-            </p:spPr>
-            <p:txBody>
-              <a:bodyPr/>
-              <a:lstStyle/>
-              <a:p>
-                <a:r>
-                  <a:rPr lang="en-CH">
-                    <a:noFill/>
-                  </a:rPr>
-                  <a:t> </a:t>
-                </a:r>
-              </a:p>
-            </p:txBody>
-          </p:sp>
-        </mc:Fallback>
-      </mc:AlternateContent>
-      <p:pic>
-        <p:nvPicPr>
-          <p:cNvPr id="9" name="Picture 8" descr="\documentclass{article}&#10;\usepackage{amsmath}&#10;\newcommand{\sys}{S}&#10;\newcommand{\diss}{d}&#10;\newcommand{\learn}{\mathcal{L}} &#10;\newcommand{\free}{\mathcal{M}}  &#10;\newcommand{\D}{\mathcal{D}}&#10;\newcommand{\R}{\mathbb{R}}&#10;\newcommand{\nsamp}{N}&#10;\newcommand{\norm}[1]{\left\lVert#1\right\rVert}&#10;\newcommand{\E}{\mathbb{E}}&#10;\newcommand{\mdl}{M}&#10;\newcommand{\mdlstruc}{\mathcal{M}}&#10;\pagestyle{empty}&#10;&#10;\begin{document}&#10;&#10; \begin{equation*}&#10;  \hat \theta, \hat {x}_0 = \arg \min_{\theta, x_0} \sum_{k=0}^{\nsamp-1} \norm{\hat y_k^\mathrm{sim}(\theta, x_0) - y_k}^2&#10; \end{equation*}&#10;&#10;\end{document}" title="IguanaTex Bitmap Display">
-            <a:extLst>
-              <a:ext uri="{FF2B5EF4-FFF2-40B4-BE49-F238E27FC236}">
-                <a16:creationId xmlns:a16="http://schemas.microsoft.com/office/drawing/2014/main" id="{9EB5E1F4-EBEF-4DEE-A61A-B4D3AFC8F32D}"/>
-              </a:ext>
-            </a:extLst>
-          </p:cNvPr>
-          <p:cNvPicPr>
-            <a:picLocks noChangeAspect="1"/>
-          </p:cNvPicPr>
-          <p:nvPr>
-            <p:custDataLst>
-              <p:tags r:id="rId1"/>
-            </p:custDataLst>
-          </p:nvPr>
-        </p:nvPicPr>
-        <p:blipFill>
-          <a:blip r:embed="rId6">
-            <a:extLst>
-              <a:ext uri="{28A0092B-C50C-407E-A947-70E740481C1C}">
-                <a14:useLocalDpi xmlns:a14="http://schemas.microsoft.com/office/drawing/2010/main" val="0"/>
-              </a:ext>
-            </a:extLst>
-          </a:blip>
-          <a:stretch>
-            <a:fillRect/>
-          </a:stretch>
-        </p:blipFill>
-        <p:spPr>
-          <a:xfrm>
-            <a:off x="3311522" y="1866284"/>
-            <a:ext cx="4606561" cy="827526"/>
-          </a:xfrm>
-          <a:prstGeom prst="rect">
-            <a:avLst/>
-          </a:prstGeom>
-        </p:spPr>
-      </p:pic>
-      <p:pic>
-        <p:nvPicPr>
-          <p:cNvPr id="5" name="Picture 4" descr="\documentclass{article}&#10;\usepackage{amsmath}&#10;\newcommand{\sys}{S}&#10;\newcommand{\diss}{d}&#10;\newcommand{\learn}{\mathcal{L}} &#10;\newcommand{\free}{\mathcal{M}}  &#10;\newcommand{\D}{\mathcal{D}}&#10;\newcommand{\R}{\mathbb{R}}&#10;\newcommand{\nsamp}{N}&#10;\newcommand{\norm}[1]{\left\lVert#1\right\rVert}&#10;\newcommand{\E}{\mathbb{E}}&#10;\newcommand{\mdl}{M}&#10;\newcommand{\mdlstruc}{\mathcal{M}}&#10;\pagestyle{empty}&#10;&#10;\begin{document}&#10;&#10; \begin{equation*}&#10; \begin{split}&#10;  \dot x &amp;= f(x, u;\;\theta)\\&#10;  y &amp;= x_2&#10;  \end{split}&#10; \end{equation*}&#10;&#10;\end{document}" title="IguanaTex Bitmap Display">
-            <a:extLst>
-              <a:ext uri="{FF2B5EF4-FFF2-40B4-BE49-F238E27FC236}">
-                <a16:creationId xmlns:a16="http://schemas.microsoft.com/office/drawing/2014/main" id="{35DEC21A-6331-5601-8FAA-5493BC4E089A}"/>
-              </a:ext>
-            </a:extLst>
-          </p:cNvPr>
-          <p:cNvPicPr>
-            <a:picLocks noChangeAspect="1"/>
-          </p:cNvPicPr>
-          <p:nvPr>
-            <p:custDataLst>
-              <p:tags r:id="rId2"/>
-            </p:custDataLst>
-          </p:nvPr>
-        </p:nvPicPr>
-        <p:blipFill>
-          <a:blip r:embed="rId7"/>
-          <a:stretch>
-            <a:fillRect/>
-          </a:stretch>
-        </p:blipFill>
-        <p:spPr>
-          <a:xfrm>
-            <a:off x="4417120" y="4504177"/>
-            <a:ext cx="1678880" cy="699533"/>
-          </a:xfrm>
-          <a:prstGeom prst="rect">
-            <a:avLst/>
-          </a:prstGeom>
-        </p:spPr>
-      </p:pic>
-    </p:spTree>
-    <p:extLst>
-      <p:ext uri="{BB962C8B-B14F-4D97-AF65-F5344CB8AC3E}">
-        <p14:creationId xmlns:p14="http://schemas.microsoft.com/office/powerpoint/2010/main" val="2272634250"/>
-      </p:ext>
-    </p:extLst>
-  </p:cSld>
-  <p:clrMapOvr>
-    <a:masterClrMapping/>
-  </p:clrMapOvr>
-</p:sld>
-</file>
-
-<file path=ppt/slides/slide11.xml><?xml version="1.0" encoding="utf-8"?>
-<p:sld xmlns:a="http://schemas.openxmlformats.org/drawingml/2006/main" xmlns:r="http://schemas.openxmlformats.org/officeDocument/2006/relationships" xmlns:p="http://schemas.openxmlformats.org/presentationml/2006/main">
-  <p:cSld>
-    <p:spTree>
-      <p:nvGrpSpPr>
-        <p:cNvPr id="1" name=""/>
-        <p:cNvGrpSpPr/>
-        <p:nvPr/>
-      </p:nvGrpSpPr>
-      <p:grpSpPr>
-        <a:xfrm>
-          <a:off x="0" y="0"/>
-          <a:ext cx="0" cy="0"/>
-          <a:chOff x="0" y="0"/>
-          <a:chExt cx="0" cy="0"/>
-        </a:xfrm>
-      </p:grpSpPr>
-      <p:sp>
-        <p:nvSpPr>
-          <p:cNvPr id="15" name="Rettangolo 14">
-            <a:extLst>
-              <a:ext uri="{FF2B5EF4-FFF2-40B4-BE49-F238E27FC236}">
-                <a16:creationId xmlns:a16="http://schemas.microsoft.com/office/drawing/2014/main" id="{7E5E5FE8-2860-6D76-9470-7E03FE4923A6}"/>
-              </a:ext>
-            </a:extLst>
-          </p:cNvPr>
-          <p:cNvSpPr/>
-          <p:nvPr/>
-        </p:nvSpPr>
-        <p:spPr>
-          <a:xfrm flipV="1">
-            <a:off x="154112" y="647878"/>
-            <a:ext cx="12037888" cy="45719"/>
-          </a:xfrm>
-          <a:prstGeom prst="rect">
-            <a:avLst/>
-          </a:prstGeom>
-          <a:solidFill>
-            <a:srgbClr val="C00000"/>
-          </a:solidFill>
-          <a:ln>
-            <a:noFill/>
-          </a:ln>
-        </p:spPr>
-        <p:style>
-          <a:lnRef idx="2">
-            <a:schemeClr val="accent1">
-              <a:shade val="50000"/>
-            </a:schemeClr>
-          </a:lnRef>
-          <a:fillRef idx="1">
-            <a:schemeClr val="accent1"/>
-          </a:fillRef>
-          <a:effectRef idx="0">
-            <a:schemeClr val="accent1"/>
-          </a:effectRef>
-          <a:fontRef idx="minor">
-            <a:schemeClr val="lt1"/>
-          </a:fontRef>
-        </p:style>
-        <p:txBody>
-          <a:bodyPr rtlCol="0" anchor="ctr"/>
-          <a:lstStyle/>
-          <a:p>
-            <a:pPr algn="ctr"/>
-            <a:endParaRPr lang="it-IT"/>
-          </a:p>
-        </p:txBody>
-      </p:sp>
-      <p:sp>
-        <p:nvSpPr>
-          <p:cNvPr id="16" name="CasellaDiTesto 15">
-            <a:extLst>
-              <a:ext uri="{FF2B5EF4-FFF2-40B4-BE49-F238E27FC236}">
-                <a16:creationId xmlns:a16="http://schemas.microsoft.com/office/drawing/2014/main" id="{63BC4BDE-F8A7-3844-2FCB-744B4713D010}"/>
-              </a:ext>
-            </a:extLst>
-          </p:cNvPr>
-          <p:cNvSpPr txBox="1"/>
-          <p:nvPr/>
-        </p:nvSpPr>
-        <p:spPr>
-          <a:xfrm>
-            <a:off x="246581" y="-8806"/>
-            <a:ext cx="11743362" cy="646331"/>
-          </a:xfrm>
-          <a:prstGeom prst="rect">
-            <a:avLst/>
-          </a:prstGeom>
-          <a:noFill/>
-        </p:spPr>
-        <p:txBody>
-          <a:bodyPr rot="0" spcFirstLastPara="0" vertOverflow="overflow" horzOverflow="overflow" vert="horz" wrap="square" lIns="91440" tIns="45720" rIns="91440" bIns="45720" numCol="1" spcCol="0" rtlCol="0" fromWordArt="0" anchor="t" anchorCtr="0" forceAA="0" compatLnSpc="1">
-            <a:prstTxWarp prst="textNoShape">
-              <a:avLst/>
-            </a:prstTxWarp>
-            <a:spAutoFit/>
-          </a:bodyPr>
-          <a:lstStyle/>
-          <a:p>
-            <a:r>
-              <a:rPr lang="en-US" sz="3600" dirty="0">
-                <a:solidFill>
-                  <a:schemeClr val="accent1"/>
-                </a:solidFill>
-              </a:rPr>
-              <a:t>Simulation error minimization – model #3</a:t>
-            </a:r>
-          </a:p>
-        </p:txBody>
-      </p:sp>
-      <p:cxnSp>
-        <p:nvCxnSpPr>
-          <p:cNvPr id="19" name="Connettore 2 18">
-            <a:extLst>
-              <a:ext uri="{FF2B5EF4-FFF2-40B4-BE49-F238E27FC236}">
-                <a16:creationId xmlns:a16="http://schemas.microsoft.com/office/drawing/2014/main" id="{A988E337-B88E-98BA-1A78-0E337BFDEFA5}"/>
-              </a:ext>
-            </a:extLst>
-          </p:cNvPr>
-          <p:cNvCxnSpPr/>
-          <p:nvPr/>
-        </p:nvCxnSpPr>
-        <p:spPr>
-          <a:xfrm flipV="1">
-            <a:off x="0" y="6610350"/>
-            <a:ext cx="12192000" cy="0"/>
-          </a:xfrm>
-          <a:prstGeom prst="straightConnector1">
-            <a:avLst/>
-          </a:prstGeom>
-          <a:ln>
-            <a:solidFill>
-              <a:schemeClr val="accent1">
-                <a:lumMod val="50000"/>
-              </a:schemeClr>
-            </a:solidFill>
-          </a:ln>
-        </p:spPr>
-        <p:style>
-          <a:lnRef idx="1">
-            <a:schemeClr val="accent1"/>
-          </a:lnRef>
-          <a:fillRef idx="0">
-            <a:schemeClr val="accent1"/>
-          </a:fillRef>
-          <a:effectRef idx="0">
-            <a:schemeClr val="accent1"/>
-          </a:effectRef>
-          <a:fontRef idx="minor">
-            <a:schemeClr val="tx1"/>
-          </a:fontRef>
-        </p:style>
-      </p:cxnSp>
       <p:sp>
         <p:nvSpPr>
           <p:cNvPr id="2" name="CasellaDiTesto 1">
@@ -5887,10 +5400,10 @@
       </p:sp>
       <p:pic>
         <p:nvPicPr>
-          <p:cNvPr id="9" name="Picture 8" descr="\documentclass{article}&#10;\usepackage{amsmath}&#10;\newcommand{\sys}{S}&#10;\newcommand{\diss}{d}&#10;\newcommand{\learn}{\mathcal{L}} &#10;\newcommand{\free}{\mathcal{M}}  &#10;\newcommand{\D}{\mathcal{D}}&#10;\newcommand{\R}{\mathbb{R}}&#10;\newcommand{\nsamp}{N}&#10;\newcommand{\norm}[1]{\left\lVert#1\right\rVert}&#10;\newcommand{\E}{\mathbb{E}}&#10;\newcommand{\mdl}{M}&#10;\newcommand{\mdlstruc}{\mathcal{M}}&#10;\pagestyle{empty}&#10;&#10;\begin{document}&#10;&#10; \begin{equation*}&#10;  \hat \theta, \hat {x}_0 = \arg \min_{\theta, x_0} \sum_{k=0}^{\nsamp-1} \norm{\hat y_k^\mathrm{sim}(\theta, x_0) - y_k}^2&#10; \end{equation*}&#10;&#10;\end{document}" title="IguanaTex Bitmap Display">
-            <a:extLst>
-              <a:ext uri="{FF2B5EF4-FFF2-40B4-BE49-F238E27FC236}">
-                <a16:creationId xmlns:a16="http://schemas.microsoft.com/office/drawing/2014/main" id="{9EB5E1F4-EBEF-4DEE-A61A-B4D3AFC8F32D}"/>
+          <p:cNvPr id="5" name="Picture 4" descr="\documentclass{article}&#10;\usepackage{amsmath}&#10;\newcommand{\sys}{S}&#10;\newcommand{\diss}{d}&#10;\newcommand{\learn}{\mathcal{L}} &#10;\newcommand{\free}{\mathcal{M}}  &#10;\newcommand{\D}{\mathcal{D}}&#10;\newcommand{\R}{\mathbb{R}}&#10;\newcommand{\nsamp}{N}&#10;\newcommand{\norm}[1]{\left\lVert#1\right\rVert}&#10;\newcommand{\E}{\mathbb{E}}&#10;\newcommand{\mdl}{M}&#10;\newcommand{\mdlstruc}{\mathcal{M}}&#10;\pagestyle{empty}&#10;&#10;\begin{document}&#10;&#10;\begin{align*}&#10;\dot x_1 &amp;= f_1(x_1, u; \theta) \\&#10;\dot x_2 &amp;= f_2(x_1, x_2, u; \theta) \\&#10;y &amp;= x_2&#10;\end{align*}&#10;&#10;\end{document}" title="IguanaTex Bitmap Display">
+            <a:extLst>
+              <a:ext uri="{FF2B5EF4-FFF2-40B4-BE49-F238E27FC236}">
+                <a16:creationId xmlns:a16="http://schemas.microsoft.com/office/drawing/2014/main" id="{23380F64-1B3F-FD31-2D53-8A003FF7B6B1}"/>
               </a:ext>
             </a:extLst>
           </p:cNvPr>
@@ -5917,8 +5430,8 @@
         </p:blipFill>
         <p:spPr>
           <a:xfrm>
-            <a:off x="3159122" y="1868292"/>
-            <a:ext cx="4606561" cy="827526"/>
+            <a:off x="4525820" y="4832822"/>
+            <a:ext cx="2216153" cy="1055311"/>
           </a:xfrm>
           <a:prstGeom prst="rect">
             <a:avLst/>
@@ -5927,10 +5440,10 @@
       </p:pic>
       <p:pic>
         <p:nvPicPr>
-          <p:cNvPr id="5" name="Picture 4" descr="\documentclass{article}&#10;\usepackage{amsmath}&#10;\newcommand{\sys}{S}&#10;\newcommand{\diss}{d}&#10;\newcommand{\learn}{\mathcal{L}} &#10;\newcommand{\free}{\mathcal{M}}  &#10;\newcommand{\D}{\mathcal{D}}&#10;\newcommand{\R}{\mathbb{R}}&#10;\newcommand{\nsamp}{N}&#10;\newcommand{\norm}[1]{\left\lVert#1\right\rVert}&#10;\newcommand{\E}{\mathbb{E}}&#10;\newcommand{\mdl}{M}&#10;\newcommand{\mdlstruc}{\mathcal{M}}&#10;\pagestyle{empty}&#10;&#10;\begin{document}&#10;&#10;\begin{align*}&#10;\dot x_1 &amp;= f_1(x_1, u; \theta) \\&#10;\dot x_2 &amp;= f_2(x_1, x_2, u; \theta) \\&#10;y &amp;= x_2&#10;\end{align*}&#10;&#10;\end{document}" title="IguanaTex Bitmap Display">
-            <a:extLst>
-              <a:ext uri="{FF2B5EF4-FFF2-40B4-BE49-F238E27FC236}">
-                <a16:creationId xmlns:a16="http://schemas.microsoft.com/office/drawing/2014/main" id="{23380F64-1B3F-FD31-2D53-8A003FF7B6B1}"/>
+          <p:cNvPr id="6" name="Picture 5" descr="\documentclass{article}&#10;\usepackage{amsmath}&#10;\newcommand{\sys}{S}&#10;\newcommand{\diss}{d}&#10;\newcommand{\learn}{\mathcal{L}} &#10;\newcommand{\free}{\mathcal{M}}  &#10;\newcommand{\D}{\mathcal{D}}&#10;\newcommand{\R}{\mathbb{R}}&#10;\newcommand{\nsamp}{T}&#10;\newcommand{\norm}[1]{\left\lVert#1\right\rVert}&#10;\newcommand{\E}{\mathbb{E}}&#10;\newcommand{\mdl}{M}&#10;\newcommand{\mdlstruc}{\mathcal{M}}&#10;\pagestyle{empty}&#10;&#10;\begin{document}&#10;&#10; \begin{equation*}&#10;  \hat \theta, \hat {x}(0) = \arg \min_{\theta, x(0)} &#10;\frac{1}{T} \sum_{k=0}^{\nsamp-1} \norm{\hat y^\mathrm{sim}(k) - y(k)}^2&#10; \end{equation*}&#10;&#10;\end{document}" title="IguanaTex Bitmap Display">
+            <a:extLst>
+              <a:ext uri="{FF2B5EF4-FFF2-40B4-BE49-F238E27FC236}">
+                <a16:creationId xmlns:a16="http://schemas.microsoft.com/office/drawing/2014/main" id="{748FEA10-BDE6-22CF-6024-8BF7AA136BA6}"/>
               </a:ext>
             </a:extLst>
           </p:cNvPr>
@@ -5944,21 +5457,15 @@
           </p:nvPr>
         </p:nvPicPr>
         <p:blipFill>
-          <a:blip r:embed="rId6">
-            <a:extLst>
-              <a:ext uri="{28A0092B-C50C-407E-A947-70E740481C1C}">
-                <a14:useLocalDpi xmlns:a14="http://schemas.microsoft.com/office/drawing/2010/main" val="0"/>
-              </a:ext>
-            </a:extLst>
-          </a:blip>
+          <a:blip r:embed="rId6"/>
           <a:stretch>
             <a:fillRect/>
           </a:stretch>
         </p:blipFill>
         <p:spPr>
           <a:xfrm>
-            <a:off x="4525820" y="4832822"/>
-            <a:ext cx="2216153" cy="1055311"/>
+            <a:off x="2791010" y="1994146"/>
+            <a:ext cx="5075492" cy="827526"/>
           </a:xfrm>
           <a:prstGeom prst="rect">
             <a:avLst/>
@@ -6056,7 +5563,7 @@
 </p:sld>
 </file>
 
-<file path=ppt/slides/slide12.xml><?xml version="1.0" encoding="utf-8"?>
+<file path=ppt/slides/slide11.xml><?xml version="1.0" encoding="utf-8"?>
 <p:sld xmlns:a="http://schemas.openxmlformats.org/drawingml/2006/main" xmlns:r="http://schemas.openxmlformats.org/officeDocument/2006/relationships" xmlns:p="http://schemas.openxmlformats.org/presentationml/2006/main">
   <p:cSld>
     <p:spTree>
@@ -6096,7 +5603,7 @@
           <a:p>
             <a:fld id="{0B9B079E-E48D-41EE-8E0D-6D7DB137FADB}" type="slidenum">
               <a:rPr lang="en-US" smtClean="0"/>
-              <a:t>12</a:t>
+              <a:t>11</a:t>
             </a:fld>
             <a:endParaRPr lang="en-US" dirty="0"/>
           </a:p>
@@ -6528,7 +6035,7 @@
           <a:p>
             <a:r>
               <a:rPr lang="it-CH" sz="2400" dirty="0"/>
-              <a:t>The dataset has just N=1024 time points. We implement </a:t>
+              <a:t>The dataset has just T=1024 time points. We implement </a:t>
             </a:r>
             <a:r>
               <a:rPr lang="it-CH" sz="2400" b="1" dirty="0"/>
@@ -7460,8 +6967,8 @@
           </a:fontRef>
         </p:style>
       </p:cxnSp>
-      <mc:AlternateContent xmlns:mc="http://schemas.openxmlformats.org/markup-compatibility/2006">
-        <mc:Choice xmlns:a14="http://schemas.microsoft.com/office/drawing/2010/main" Requires="a14">
+      <mc:AlternateContent xmlns:mc="http://schemas.openxmlformats.org/markup-compatibility/2006" xmlns:a14="http://schemas.microsoft.com/office/drawing/2010/main">
+        <mc:Choice Requires="a14">
           <p:sp>
             <p:nvSpPr>
               <p:cNvPr id="2" name="CasellaDiTesto 1">
@@ -7811,7 +7318,7 @@
             </p:txBody>
           </p:sp>
         </mc:Choice>
-        <mc:Fallback>
+        <mc:Fallback xmlns="">
           <p:sp>
             <p:nvSpPr>
               <p:cNvPr id="2" name="CasellaDiTesto 1">
@@ -8095,8 +7602,8 @@
           </a:fontRef>
         </p:style>
       </p:cxnSp>
-      <mc:AlternateContent xmlns:mc="http://schemas.openxmlformats.org/markup-compatibility/2006">
-        <mc:Choice xmlns:a14="http://schemas.microsoft.com/office/drawing/2010/main" Requires="a14">
+      <mc:AlternateContent xmlns:mc="http://schemas.openxmlformats.org/markup-compatibility/2006" xmlns:a14="http://schemas.microsoft.com/office/drawing/2010/main">
+        <mc:Choice Requires="a14">
           <p:sp>
             <p:nvSpPr>
               <p:cNvPr id="2" name="CasellaDiTesto 1">
@@ -8504,7 +8011,7 @@
             </p:txBody>
           </p:sp>
         </mc:Choice>
-        <mc:Fallback>
+        <mc:Fallback xmlns="">
           <p:sp>
             <p:nvSpPr>
               <p:cNvPr id="2" name="CasellaDiTesto 1">
@@ -8788,8 +8295,8 @@
           </a:fontRef>
         </p:style>
       </p:cxnSp>
-      <mc:AlternateContent xmlns:mc="http://schemas.openxmlformats.org/markup-compatibility/2006">
-        <mc:Choice xmlns:a14="http://schemas.microsoft.com/office/drawing/2010/main" Requires="a14">
+      <mc:AlternateContent xmlns:mc="http://schemas.openxmlformats.org/markup-compatibility/2006" xmlns:a14="http://schemas.microsoft.com/office/drawing/2010/main">
+        <mc:Choice Requires="a14">
           <p:sp>
             <p:nvSpPr>
               <p:cNvPr id="2" name="CasellaDiTesto 1">
@@ -9065,31 +8572,18 @@
                 </a:r>
                 <a14:m>
                   <m:oMath xmlns:m="http://schemas.openxmlformats.org/officeDocument/2006/math">
-                    <m:sSub>
-                      <m:sSubPr>
-                        <m:ctrlPr>
-                          <a:rPr lang="it-CH" sz="2000" i="1" smtClean="0">
-                            <a:latin typeface="Cambria Math" panose="02040503050406030204" pitchFamily="18" charset="0"/>
-                          </a:rPr>
-                        </m:ctrlPr>
-                      </m:sSubPr>
-                      <m:e>
-                        <m:r>
-                          <a:rPr lang="en-US" sz="2000" b="0" i="1" smtClean="0">
-                            <a:latin typeface="Cambria Math" panose="02040503050406030204" pitchFamily="18" charset="0"/>
-                          </a:rPr>
-                          <m:t>𝑥</m:t>
-                        </m:r>
-                      </m:e>
-                      <m:sub>
-                        <m:r>
-                          <a:rPr lang="en-US" sz="2000" b="0" i="1" smtClean="0">
-                            <a:latin typeface="Cambria Math" panose="02040503050406030204" pitchFamily="18" charset="0"/>
-                          </a:rPr>
-                          <m:t>0</m:t>
-                        </m:r>
-                      </m:sub>
-                    </m:sSub>
+                    <m:r>
+                      <a:rPr lang="en-US" sz="2000" b="0" i="1" smtClean="0">
+                        <a:latin typeface="Cambria Math" panose="02040503050406030204" pitchFamily="18" charset="0"/>
+                      </a:rPr>
+                      <m:t>𝑥</m:t>
+                    </m:r>
+                    <m:r>
+                      <a:rPr lang="en-US" sz="2000" b="0" i="1" smtClean="0">
+                        <a:latin typeface="Cambria Math" panose="02040503050406030204" pitchFamily="18" charset="0"/>
+                      </a:rPr>
+                      <m:t>(0)</m:t>
+                    </m:r>
                   </m:oMath>
                 </a14:m>
                 <a:r>
@@ -9104,46 +8598,33 @@
                 </a:pPr>
                 <a:r>
                   <a:rPr lang="it-CH" sz="2000" dirty="0"/>
-                  <a:t>In test, exploit the additional knowledge from the benchmark info that </a:t>
+                  <a:t>In test, exploit the additional knowledge from the benchmark info that</a:t>
                 </a:r>
                 <a14:m>
                   <m:oMath xmlns:m="http://schemas.openxmlformats.org/officeDocument/2006/math">
-                    <m:sSub>
-                      <m:sSubPr>
-                        <m:ctrlPr>
-                          <a:rPr lang="it-CH" sz="2000" b="1" i="1" smtClean="0">
-                            <a:latin typeface="Cambria Math" panose="02040503050406030204" pitchFamily="18" charset="0"/>
-                          </a:rPr>
-                        </m:ctrlPr>
-                      </m:sSubPr>
-                      <m:e>
-                        <m:r>
-                          <a:rPr lang="en-US" sz="2000" b="1" i="1" smtClean="0">
-                            <a:latin typeface="Cambria Math" panose="02040503050406030204" pitchFamily="18" charset="0"/>
-                          </a:rPr>
-                          <m:t>𝒙</m:t>
-                        </m:r>
-                      </m:e>
-                      <m:sub>
-                        <m:r>
-                          <a:rPr lang="en-US" sz="2000" b="1" i="1" smtClean="0">
-                            <a:latin typeface="Cambria Math" panose="02040503050406030204" pitchFamily="18" charset="0"/>
-                          </a:rPr>
-                          <m:t>𝟎</m:t>
-                        </m:r>
-                      </m:sub>
-                    </m:sSub>
                     <m:r>
-                      <a:rPr lang="en-US" sz="2000" b="1" i="1" smtClean="0">
+                      <a:rPr lang="en-US" sz="2000" b="0" i="0" smtClean="0">
                         <a:latin typeface="Cambria Math" panose="02040503050406030204" pitchFamily="18" charset="0"/>
                       </a:rPr>
                       <m:t> </m:t>
+                    </m:r>
+                    <m:r>
+                      <a:rPr lang="en-US" sz="2000" i="1">
+                        <a:latin typeface="Cambria Math" panose="02040503050406030204" pitchFamily="18" charset="0"/>
+                      </a:rPr>
+                      <m:t>𝑥</m:t>
+                    </m:r>
+                    <m:r>
+                      <a:rPr lang="en-US" sz="2000" i="1">
+                        <a:latin typeface="Cambria Math" panose="02040503050406030204" pitchFamily="18" charset="0"/>
+                      </a:rPr>
+                      <m:t>(0)</m:t>
                     </m:r>
                   </m:oMath>
                 </a14:m>
                 <a:r>
                   <a:rPr lang="it-CH" sz="2000" b="1" dirty="0"/>
-                  <a:t>is the same in the two experiments</a:t>
+                  <a:t> is the same in the two experiments</a:t>
                 </a:r>
                 <a:r>
                   <a:rPr lang="it-CH" sz="2000" dirty="0"/>
@@ -9156,7 +8637,7 @@
             </p:txBody>
           </p:sp>
         </mc:Choice>
-        <mc:Fallback>
+        <mc:Fallback xmlns="">
           <p:sp>
             <p:nvSpPr>
               <p:cNvPr id="2" name="CasellaDiTesto 1">
@@ -9182,7 +8663,7 @@
               <a:blipFill>
                 <a:blip r:embed="rId5"/>
                 <a:stretch>
-                  <a:fillRect l="-520"/>
+                  <a:fillRect l="-520" r="-312"/>
                 </a:stretch>
               </a:blipFill>
             </p:spPr>
@@ -9201,86 +8682,6 @@
           </p:sp>
         </mc:Fallback>
       </mc:AlternateContent>
-      <p:pic>
-        <p:nvPicPr>
-          <p:cNvPr id="8" name="Picture 7" descr="\documentclass{article}&#10;\usepackage{amsmath}&#10;\newcommand{\sys}{S}&#10;\newcommand{\diss}{d}&#10;\newcommand{\learn}{\mathcal{L}} &#10;\newcommand{\free}{\mathcal{M}}  &#10;\newcommand{\D}{\mathcal{D}}&#10;\newcommand{\R}{\mathbb{R}}&#10;\newcommand{\nsamp}{N}&#10;\newcommand{\norm}[1]{\left\lVert#1\right\rVert}&#10;\newcommand{\E}{\mathbb{E}}&#10;\newcommand{\mdl}{M}&#10;\newcommand{\mdlstruc}{\mathcal{M}}&#10;\pagestyle{empty}&#10;&#10;\begin{document}&#10;&#10; \begin{equation*}&#10;  \hat \theta, \hat {x}_0 = \arg \min_{\theta, x_0} &#10;\frac{1}{N}&#10;\sum_{k=0}^{\nsamp-1} \norm{\hat y_k^\mathrm{sim}(\theta, x_0) - y_k}^2&#10; \end{equation*}&#10;&#10;\end{document}" title="IguanaTex Bitmap Display">
-            <a:extLst>
-              <a:ext uri="{FF2B5EF4-FFF2-40B4-BE49-F238E27FC236}">
-                <a16:creationId xmlns:a16="http://schemas.microsoft.com/office/drawing/2014/main" id="{0E8E94C7-1FE0-6DBF-AE3A-545D59C94805}"/>
-              </a:ext>
-            </a:extLst>
-          </p:cNvPr>
-          <p:cNvPicPr>
-            <a:picLocks noChangeAspect="1"/>
-          </p:cNvPicPr>
-          <p:nvPr>
-            <p:custDataLst>
-              <p:tags r:id="rId1"/>
-            </p:custDataLst>
-          </p:nvPr>
-        </p:nvPicPr>
-        <p:blipFill>
-          <a:blip r:embed="rId6">
-            <a:extLst>
-              <a:ext uri="{28A0092B-C50C-407E-A947-70E740481C1C}">
-                <a14:useLocalDpi xmlns:a14="http://schemas.microsoft.com/office/drawing/2010/main" val="0"/>
-              </a:ext>
-            </a:extLst>
-          </a:blip>
-          <a:stretch>
-            <a:fillRect/>
-          </a:stretch>
-        </p:blipFill>
-        <p:spPr>
-          <a:xfrm>
-            <a:off x="682418" y="1757427"/>
-            <a:ext cx="4965156" cy="827526"/>
-          </a:xfrm>
-          <a:prstGeom prst="rect">
-            <a:avLst/>
-          </a:prstGeom>
-        </p:spPr>
-      </p:pic>
-      <p:pic>
-        <p:nvPicPr>
-          <p:cNvPr id="6" name="Picture 5" descr="\documentclass{article}&#10;\usepackage{amsmath}&#10;\newcommand{\sys}{S}&#10;\newcommand{\diss}{d}&#10;\newcommand{\learn}{\mathcal{L}} &#10;\newcommand{\free}{\mathcal{M}}  &#10;\newcommand{\D}{\mathcal{D}}&#10;\newcommand{\R}{\mathbb{R}}&#10;\newcommand{\nsamp}{N}&#10;\newcommand{\norm}[1]{\left\lVert#1\right\rVert}&#10;\newcommand{\E}{\mathbb{E}}&#10;\newcommand{\mdl}{M}&#10;\newcommand{\mdlstruc}{\mathcal{M}}&#10;\pagestyle{empty}&#10;&#10;\begin{document}&#10;&#10; \begin{equation*}&#10; \begin{split}&#10;  x_{k+1} &amp;= x_k + f(x_k, u_k;\;\theta)\\&#10;  \hat{y}_k^{\rm sim} &amp;= g(x_k;\;\theta)&#10;  \end{split}&#10; \end{equation*}&#10;&#10;\end{document}" title="IguanaTex Bitmap Display">
-            <a:extLst>
-              <a:ext uri="{FF2B5EF4-FFF2-40B4-BE49-F238E27FC236}">
-                <a16:creationId xmlns:a16="http://schemas.microsoft.com/office/drawing/2014/main" id="{919B4777-B83E-405D-7224-BD57CCC7A0B3}"/>
-              </a:ext>
-            </a:extLst>
-          </p:cNvPr>
-          <p:cNvPicPr>
-            <a:picLocks noChangeAspect="1"/>
-          </p:cNvPicPr>
-          <p:nvPr>
-            <p:custDataLst>
-              <p:tags r:id="rId2"/>
-            </p:custDataLst>
-          </p:nvPr>
-        </p:nvPicPr>
-        <p:blipFill>
-          <a:blip r:embed="rId7">
-            <a:extLst>
-              <a:ext uri="{28A0092B-C50C-407E-A947-70E740481C1C}">
-                <a14:useLocalDpi xmlns:a14="http://schemas.microsoft.com/office/drawing/2010/main" val="0"/>
-              </a:ext>
-            </a:extLst>
-          </a:blip>
-          <a:stretch>
-            <a:fillRect/>
-          </a:stretch>
-        </p:blipFill>
-        <p:spPr>
-          <a:xfrm>
-            <a:off x="6981238" y="1757427"/>
-            <a:ext cx="2994002" cy="755496"/>
-          </a:xfrm>
-          <a:prstGeom prst="rect">
-            <a:avLst/>
-          </a:prstGeom>
-        </p:spPr>
-      </p:pic>
       <p:cxnSp>
         <p:nvCxnSpPr>
           <p:cNvPr id="11" name="Straight Connector 10">
@@ -9317,6 +8718,74 @@
           </a:fontRef>
         </p:style>
       </p:cxnSp>
+      <p:pic>
+        <p:nvPicPr>
+          <p:cNvPr id="4" name="Picture 3" descr="\documentclass{article}&#10;\usepackage{amsmath}&#10;\newcommand{\sys}{S}&#10;\newcommand{\diss}{d}&#10;\newcommand{\learn}{\mathcal{L}} &#10;\newcommand{\free}{\mathcal{M}}  &#10;\newcommand{\D}{\mathcal{D}}&#10;\newcommand{\R}{\mathbb{R}}&#10;\newcommand{\nsamp}{N}&#10;\newcommand{\norm}[1]{\left\lVert#1\right\rVert}&#10;\newcommand{\E}{\mathbb{E}}&#10;\newcommand{\mdl}{M}&#10;\newcommand{\mdlstruc}{\mathcal{M}}&#10;\pagestyle{empty}&#10;&#10;\begin{document}&#10;&#10; \begin{equation*}&#10; \begin{split}&#10;  x({k+1}) &amp;= x(k) + &#10;f(x(k), u(k);\;\theta)\\&#10;  \hat{y}^{\rm sim}(k) &amp;= g(x(k);\;\theta)&#10;  \end{split}&#10; \end{equation*}&#10;&#10;\end{document}" title="IguanaTex Bitmap Display">
+            <a:extLst>
+              <a:ext uri="{FF2B5EF4-FFF2-40B4-BE49-F238E27FC236}">
+                <a16:creationId xmlns:a16="http://schemas.microsoft.com/office/drawing/2014/main" id="{AC07BD67-33AE-9170-BAB1-E419D40210F3}"/>
+              </a:ext>
+            </a:extLst>
+          </p:cNvPr>
+          <p:cNvPicPr>
+            <a:picLocks noChangeAspect="1"/>
+          </p:cNvPicPr>
+          <p:nvPr>
+            <p:custDataLst>
+              <p:tags r:id="rId1"/>
+            </p:custDataLst>
+          </p:nvPr>
+        </p:nvPicPr>
+        <p:blipFill>
+          <a:blip r:embed="rId6"/>
+          <a:stretch>
+            <a:fillRect/>
+          </a:stretch>
+        </p:blipFill>
+        <p:spPr>
+          <a:xfrm>
+            <a:off x="6840941" y="1783436"/>
+            <a:ext cx="4141235" cy="755496"/>
+          </a:xfrm>
+          <a:prstGeom prst="rect">
+            <a:avLst/>
+          </a:prstGeom>
+        </p:spPr>
+      </p:pic>
+      <p:pic>
+        <p:nvPicPr>
+          <p:cNvPr id="5" name="Picture 4" descr="\documentclass{article}&#10;\usepackage{amsmath}&#10;\newcommand{\sys}{S}&#10;\newcommand{\diss}{d}&#10;\newcommand{\learn}{\mathcal{L}} &#10;\newcommand{\free}{\mathcal{M}}  &#10;\newcommand{\D}{\mathcal{D}}&#10;\newcommand{\R}{\mathbb{R}}&#10;\newcommand{\nsamp}{T}&#10;\newcommand{\norm}[1]{\left\lVert#1\right\rVert}&#10;\newcommand{\E}{\mathbb{E}}&#10;\newcommand{\mdl}{M}&#10;\newcommand{\mdlstruc}{\mathcal{M}}&#10;\pagestyle{empty}&#10;&#10;\begin{document}&#10;&#10; \begin{equation*}&#10;  \hat \theta, \hat {x}(0) = \arg \min_{\theta, x(0)} &#10;\frac{1}{T} \sum_{k=0}^{\nsamp-1} \norm{\hat y^\mathrm{sim}(k) - y(k)}^2&#10; \end{equation*}&#10;&#10;\end{document}" title="IguanaTex Bitmap Display">
+            <a:extLst>
+              <a:ext uri="{FF2B5EF4-FFF2-40B4-BE49-F238E27FC236}">
+                <a16:creationId xmlns:a16="http://schemas.microsoft.com/office/drawing/2014/main" id="{623676D6-8252-605F-BD03-10D44BFF7D69}"/>
+              </a:ext>
+            </a:extLst>
+          </p:cNvPr>
+          <p:cNvPicPr>
+            <a:picLocks noChangeAspect="1"/>
+          </p:cNvPicPr>
+          <p:nvPr>
+            <p:custDataLst>
+              <p:tags r:id="rId2"/>
+            </p:custDataLst>
+          </p:nvPr>
+        </p:nvPicPr>
+        <p:blipFill>
+          <a:blip r:embed="rId7"/>
+          <a:stretch>
+            <a:fillRect/>
+          </a:stretch>
+        </p:blipFill>
+        <p:spPr>
+          <a:xfrm>
+            <a:off x="627250" y="1809688"/>
+            <a:ext cx="5075492" cy="827526"/>
+          </a:xfrm>
+          <a:prstGeom prst="rect">
+            <a:avLst/>
+          </a:prstGeom>
+        </p:spPr>
+      </p:pic>
     </p:spTree>
     <p:extLst>
       <p:ext uri="{BB962C8B-B14F-4D97-AF65-F5344CB8AC3E}">
@@ -9327,147 +8796,6 @@
   <p:clrMapOvr>
     <a:masterClrMapping/>
   </p:clrMapOvr>
-  <p:timing>
-    <p:tnLst>
-      <p:par>
-        <p:cTn id="1" dur="indefinite" restart="never" nodeType="tmRoot">
-          <p:childTnLst>
-            <p:seq concurrent="1" nextAc="seek">
-              <p:cTn id="2" dur="indefinite" nodeType="mainSeq">
-                <p:childTnLst>
-                  <p:par>
-                    <p:cTn id="3" fill="hold">
-                      <p:stCondLst>
-                        <p:cond delay="indefinite"/>
-                      </p:stCondLst>
-                      <p:childTnLst>
-                        <p:par>
-                          <p:cTn id="4" fill="hold">
-                            <p:stCondLst>
-                              <p:cond delay="0"/>
-                            </p:stCondLst>
-                            <p:childTnLst>
-                              <p:par>
-                                <p:cTn id="5" presetID="1" presetClass="entr" presetSubtype="0" fill="hold" nodeType="clickEffect">
-                                  <p:stCondLst>
-                                    <p:cond delay="0"/>
-                                  </p:stCondLst>
-                                  <p:childTnLst>
-                                    <p:set>
-                                      <p:cBhvr>
-                                        <p:cTn id="6" dur="1" fill="hold">
-                                          <p:stCondLst>
-                                            <p:cond delay="0"/>
-                                          </p:stCondLst>
-                                        </p:cTn>
-                                        <p:tgtEl>
-                                          <p:spTgt spid="2">
-                                            <p:txEl>
-                                              <p:pRg st="14" end="14"/>
-                                            </p:txEl>
-                                          </p:spTgt>
-                                        </p:tgtEl>
-                                        <p:attrNameLst>
-                                          <p:attrName>style.visibility</p:attrName>
-                                        </p:attrNameLst>
-                                      </p:cBhvr>
-                                      <p:to>
-                                        <p:strVal val="visible"/>
-                                      </p:to>
-                                    </p:set>
-                                  </p:childTnLst>
-                                </p:cTn>
-                              </p:par>
-                              <p:par>
-                                <p:cTn id="7" presetID="1" presetClass="entr" presetSubtype="0" fill="hold" nodeType="withEffect">
-                                  <p:stCondLst>
-                                    <p:cond delay="0"/>
-                                  </p:stCondLst>
-                                  <p:childTnLst>
-                                    <p:set>
-                                      <p:cBhvr>
-                                        <p:cTn id="8" dur="1" fill="hold">
-                                          <p:stCondLst>
-                                            <p:cond delay="0"/>
-                                          </p:stCondLst>
-                                        </p:cTn>
-                                        <p:tgtEl>
-                                          <p:spTgt spid="2">
-                                            <p:txEl>
-                                              <p:pRg st="15" end="15"/>
-                                            </p:txEl>
-                                          </p:spTgt>
-                                        </p:tgtEl>
-                                        <p:attrNameLst>
-                                          <p:attrName>style.visibility</p:attrName>
-                                        </p:attrNameLst>
-                                      </p:cBhvr>
-                                      <p:to>
-                                        <p:strVal val="visible"/>
-                                      </p:to>
-                                    </p:set>
-                                  </p:childTnLst>
-                                </p:cTn>
-                              </p:par>
-                              <p:par>
-                                <p:cTn id="9" presetID="1" presetClass="entr" presetSubtype="0" fill="hold" nodeType="withEffect">
-                                  <p:stCondLst>
-                                    <p:cond delay="0"/>
-                                  </p:stCondLst>
-                                  <p:childTnLst>
-                                    <p:set>
-                                      <p:cBhvr>
-                                        <p:cTn id="10" dur="1" fill="hold">
-                                          <p:stCondLst>
-                                            <p:cond delay="0"/>
-                                          </p:stCondLst>
-                                        </p:cTn>
-                                        <p:tgtEl>
-                                          <p:spTgt spid="2">
-                                            <p:txEl>
-                                              <p:pRg st="16" end="16"/>
-                                            </p:txEl>
-                                          </p:spTgt>
-                                        </p:tgtEl>
-                                        <p:attrNameLst>
-                                          <p:attrName>style.visibility</p:attrName>
-                                        </p:attrNameLst>
-                                      </p:cBhvr>
-                                      <p:to>
-                                        <p:strVal val="visible"/>
-                                      </p:to>
-                                    </p:set>
-                                  </p:childTnLst>
-                                </p:cTn>
-                              </p:par>
-                            </p:childTnLst>
-                          </p:cTn>
-                        </p:par>
-                      </p:childTnLst>
-                    </p:cTn>
-                  </p:par>
-                </p:childTnLst>
-              </p:cTn>
-              <p:prevCondLst>
-                <p:cond evt="onPrev" delay="0">
-                  <p:tgtEl>
-                    <p:sldTgt/>
-                  </p:tgtEl>
-                </p:cond>
-              </p:prevCondLst>
-              <p:nextCondLst>
-                <p:cond evt="onNext" delay="0">
-                  <p:tgtEl>
-                    <p:sldTgt/>
-                  </p:tgtEl>
-                </p:cond>
-              </p:nextCondLst>
-            </p:seq>
-          </p:childTnLst>
-        </p:cTn>
-      </p:par>
-    </p:tnLst>
-  </p:timing>
 </p:sld>
 </file>
 
@@ -10203,217 +9531,107 @@
           </a:fontRef>
         </p:style>
       </p:cxnSp>
-      <mc:AlternateContent xmlns:mc="http://schemas.openxmlformats.org/markup-compatibility/2006" xmlns:a14="http://schemas.microsoft.com/office/drawing/2010/main">
-        <mc:Choice Requires="a14">
-          <p:sp>
-            <p:nvSpPr>
-              <p:cNvPr id="2" name="CasellaDiTesto 1">
-                <a:extLst>
-                  <a:ext uri="{FF2B5EF4-FFF2-40B4-BE49-F238E27FC236}">
-                    <a16:creationId xmlns:a16="http://schemas.microsoft.com/office/drawing/2014/main" id="{A2DE14E0-CC7B-02C4-B850-8C14C7345D75}"/>
-                  </a:ext>
-                </a:extLst>
-              </p:cNvPr>
-              <p:cNvSpPr txBox="1"/>
-              <p:nvPr/>
-            </p:nvSpPr>
-            <p:spPr>
-              <a:xfrm>
-                <a:off x="246581" y="790250"/>
-                <a:ext cx="10383319" cy="5940088"/>
-              </a:xfrm>
-              <a:prstGeom prst="rect">
-                <a:avLst/>
-              </a:prstGeom>
-              <a:noFill/>
-            </p:spPr>
-            <p:txBody>
-              <a:bodyPr wrap="square" rtlCol="0">
-                <a:spAutoFit/>
-              </a:bodyPr>
-              <a:lstStyle/>
-              <a:p>
-                <a:endParaRPr lang="it-CH" sz="2000" dirty="0"/>
-              </a:p>
-              <a:p>
-                <a:endParaRPr lang="it-CH" sz="2000" dirty="0"/>
-              </a:p>
-              <a:p>
-                <a:endParaRPr lang="it-CH" sz="2000" dirty="0"/>
-              </a:p>
-              <a:p>
-                <a:endParaRPr lang="it-CH" sz="2000" dirty="0"/>
-              </a:p>
-              <a:p>
-                <a:endParaRPr lang="it-CH" sz="2000" dirty="0"/>
-              </a:p>
-              <a:p>
-                <a:r>
-                  <a:rPr lang="it-CH" sz="2000" dirty="0"/>
-                  <a:t>In general, the model accepts a batch of initial states (B, n_x) and input sequences (B, T, n_u)</a:t>
-                </a:r>
-              </a:p>
-              <a:p>
-                <a:endParaRPr lang="it-CH" sz="2000" dirty="0"/>
-              </a:p>
-              <a:p>
-                <a:endParaRPr lang="it-CH" sz="2000" dirty="0"/>
-              </a:p>
-              <a:p>
-                <a:endParaRPr lang="it-CH" sz="2000" dirty="0"/>
-              </a:p>
-              <a:p>
-                <a:endParaRPr lang="it-CH" sz="2000" dirty="0"/>
-              </a:p>
-              <a:p>
-                <a:endParaRPr lang="it-CH" sz="2000" dirty="0"/>
-              </a:p>
-              <a:p>
-                <a:endParaRPr lang="en-US" sz="2000" dirty="0"/>
-              </a:p>
-              <a:p>
-                <a:r>
-                  <a:rPr lang="en-US" sz="2000" dirty="0"/>
-                  <a:t>In our case:</a:t>
-                </a:r>
-              </a:p>
-              <a:p>
-                <a:pPr marL="342900" indent="-342900">
-                  <a:buFont typeface="Arial" panose="020B0604020202020204" pitchFamily="34" charset="0"/>
-                  <a:buChar char="•"/>
-                </a:pPr>
-                <a:r>
-                  <a:rPr lang="en-US" sz="2000" dirty="0"/>
-                  <a:t>B = 1 (we work on a single sequence)</a:t>
-                </a:r>
-              </a:p>
-              <a:p>
-                <a:pPr marL="342900" indent="-342900">
-                  <a:buFont typeface="Arial" panose="020B0604020202020204" pitchFamily="34" charset="0"/>
-                  <a:buChar char="•"/>
-                </a:pPr>
-                <a:r>
-                  <a:rPr lang="it-CH" sz="2000" dirty="0"/>
-                  <a:t>We need another feed-forward neural network to implement </a:t>
-                </a:r>
-                <a14:m>
-                  <m:oMath xmlns:m="http://schemas.openxmlformats.org/officeDocument/2006/math">
-                    <m:r>
-                      <a:rPr lang="en-US" sz="2000" b="0" i="1" smtClean="0">
-                        <a:latin typeface="Cambria Math" panose="02040503050406030204" pitchFamily="18" charset="0"/>
-                      </a:rPr>
-                      <m:t>𝑔</m:t>
-                    </m:r>
-                    <m:r>
-                      <a:rPr lang="en-US" sz="2000" b="0" i="1" smtClean="0">
-                        <a:latin typeface="Cambria Math" panose="02040503050406030204" pitchFamily="18" charset="0"/>
-                      </a:rPr>
-                      <m:t>(</m:t>
-                    </m:r>
-                    <m:r>
-                      <a:rPr lang="en-US" sz="2000" b="0" i="1" smtClean="0">
-                        <a:latin typeface="Cambria Math" panose="02040503050406030204" pitchFamily="18" charset="0"/>
-                      </a:rPr>
-                      <m:t>𝑥</m:t>
-                    </m:r>
-                    <m:r>
-                      <a:rPr lang="en-US" sz="2000" b="0" i="1" smtClean="0">
-                        <a:latin typeface="Cambria Math" panose="02040503050406030204" pitchFamily="18" charset="0"/>
-                      </a:rPr>
-                      <m:t>)</m:t>
-                    </m:r>
-                  </m:oMath>
-                </a14:m>
-                <a:endParaRPr lang="it-CH" sz="2000" dirty="0"/>
-              </a:p>
-              <a:p>
-                <a:pPr marL="342900" indent="-342900">
-                  <a:buFont typeface="Arial" panose="020B0604020202020204" pitchFamily="34" charset="0"/>
-                  <a:buChar char="•"/>
-                </a:pPr>
-                <a:r>
-                  <a:rPr lang="it-CH" sz="2000" dirty="0"/>
-                  <a:t>The initial state must be </a:t>
-                </a:r>
-                <a:r>
-                  <a:rPr lang="it-CH" sz="2000" b="1" dirty="0"/>
-                  <a:t>trainable</a:t>
-                </a:r>
-                <a:r>
-                  <a:rPr lang="it-CH" sz="2000" dirty="0"/>
-                  <a:t> (option requires_grad=True)</a:t>
-                </a:r>
-              </a:p>
-              <a:p>
-                <a:pPr marL="342900" indent="-342900">
-                  <a:buFont typeface="Arial" panose="020B0604020202020204" pitchFamily="34" charset="0"/>
-                  <a:buChar char="•"/>
-                </a:pPr>
-                <a:r>
-                  <a:rPr lang="it-CH" sz="2000" dirty="0"/>
-                  <a:t>We need to specify all the optimization variables to the optimizer</a:t>
-                </a:r>
-              </a:p>
-              <a:p>
-                <a:endParaRPr lang="it-CH" sz="2000" dirty="0"/>
-              </a:p>
-              <a:p>
-                <a:endParaRPr lang="it-CH" sz="2000" dirty="0"/>
-              </a:p>
-            </p:txBody>
-          </p:sp>
-        </mc:Choice>
-        <mc:Fallback xmlns="">
-          <p:sp>
-            <p:nvSpPr>
-              <p:cNvPr id="2" name="CasellaDiTesto 1">
-                <a:extLst>
-                  <a:ext uri="{FF2B5EF4-FFF2-40B4-BE49-F238E27FC236}">
-                    <a16:creationId xmlns:a16="http://schemas.microsoft.com/office/drawing/2014/main" id="{A2DE14E0-CC7B-02C4-B850-8C14C7345D75}"/>
-                  </a:ext>
-                </a:extLst>
-              </p:cNvPr>
-              <p:cNvSpPr txBox="1">
-                <a:spLocks noRot="1" noChangeAspect="1" noMove="1" noResize="1" noEditPoints="1" noAdjustHandles="1" noChangeArrowheads="1" noChangeShapeType="1" noTextEdit="1"/>
-              </p:cNvSpPr>
-              <p:nvPr/>
-            </p:nvSpPr>
-            <p:spPr>
-              <a:xfrm>
-                <a:off x="246581" y="790250"/>
-                <a:ext cx="10383319" cy="5940088"/>
-              </a:xfrm>
-              <a:prstGeom prst="rect">
-                <a:avLst/>
-              </a:prstGeom>
-              <a:blipFill>
-                <a:blip r:embed="rId3"/>
-                <a:stretch>
-                  <a:fillRect l="-611"/>
-                </a:stretch>
-              </a:blipFill>
-            </p:spPr>
-            <p:txBody>
-              <a:bodyPr/>
-              <a:lstStyle/>
-              <a:p>
-                <a:r>
-                  <a:rPr lang="en-CH">
-                    <a:noFill/>
-                  </a:rPr>
-                  <a:t> </a:t>
-                </a:r>
-              </a:p>
-            </p:txBody>
-          </p:sp>
-        </mc:Fallback>
-      </mc:AlternateContent>
+      <p:sp>
+        <p:nvSpPr>
+          <p:cNvPr id="2" name="CasellaDiTesto 1">
+            <a:extLst>
+              <a:ext uri="{FF2B5EF4-FFF2-40B4-BE49-F238E27FC236}">
+                <a16:creationId xmlns:a16="http://schemas.microsoft.com/office/drawing/2014/main" id="{A2DE14E0-CC7B-02C4-B850-8C14C7345D75}"/>
+              </a:ext>
+            </a:extLst>
+          </p:cNvPr>
+          <p:cNvSpPr txBox="1"/>
+          <p:nvPr/>
+        </p:nvSpPr>
+        <p:spPr>
+          <a:xfrm>
+            <a:off x="246581" y="790250"/>
+            <a:ext cx="10383319" cy="5632311"/>
+          </a:xfrm>
+          <a:prstGeom prst="rect">
+            <a:avLst/>
+          </a:prstGeom>
+          <a:noFill/>
+        </p:spPr>
+        <p:txBody>
+          <a:bodyPr wrap="square" rtlCol="0">
+            <a:spAutoFit/>
+          </a:bodyPr>
+          <a:lstStyle/>
+          <a:p>
+            <a:r>
+              <a:rPr lang="it-CH" sz="2000" dirty="0"/>
+              <a:t>Initializations</a:t>
+            </a:r>
+          </a:p>
+          <a:p>
+            <a:endParaRPr lang="it-CH" sz="2000" dirty="0"/>
+          </a:p>
+          <a:p>
+            <a:endParaRPr lang="it-CH" sz="2000" dirty="0"/>
+          </a:p>
+          <a:p>
+            <a:endParaRPr lang="it-CH" sz="2000" dirty="0"/>
+          </a:p>
+          <a:p>
+            <a:r>
+              <a:rPr lang="it-CH" sz="2000" dirty="0"/>
+              <a:t>Define model and initial state</a:t>
+            </a:r>
+          </a:p>
+          <a:p>
+            <a:endParaRPr lang="it-CH" sz="2000" dirty="0"/>
+          </a:p>
+          <a:p>
+            <a:endParaRPr lang="it-CH" sz="2000" dirty="0"/>
+          </a:p>
+          <a:p>
+            <a:endParaRPr lang="it-CH" sz="2000" dirty="0"/>
+          </a:p>
+          <a:p>
+            <a:endParaRPr lang="it-CH" sz="2000" dirty="0"/>
+          </a:p>
+          <a:p>
+            <a:r>
+              <a:rPr lang="it-CH" sz="2000" dirty="0"/>
+              <a:t>Define optimizer</a:t>
+            </a:r>
+          </a:p>
+          <a:p>
+            <a:endParaRPr lang="it-CH" sz="2000" dirty="0"/>
+          </a:p>
+          <a:p>
+            <a:endParaRPr lang="it-CH" sz="2000" dirty="0"/>
+          </a:p>
+          <a:p>
+            <a:endParaRPr lang="it-CH" sz="2000" dirty="0"/>
+          </a:p>
+          <a:p>
+            <a:endParaRPr lang="it-CH" sz="2000" dirty="0"/>
+          </a:p>
+          <a:p>
+            <a:endParaRPr lang="it-CH" sz="2000" dirty="0"/>
+          </a:p>
+          <a:p>
+            <a:r>
+              <a:rPr lang="it-CH" sz="2000" dirty="0"/>
+              <a:t>Compute loss (in a trainig loop…)</a:t>
+            </a:r>
+          </a:p>
+          <a:p>
+            <a:endParaRPr lang="it-CH" sz="2000" dirty="0"/>
+          </a:p>
+          <a:p>
+            <a:endParaRPr lang="it-CH" sz="2000" dirty="0"/>
+          </a:p>
+        </p:txBody>
+      </p:sp>
       <p:pic>
         <p:nvPicPr>
-          <p:cNvPr id="4" name="Picture 3">
-            <a:extLst>
-              <a:ext uri="{FF2B5EF4-FFF2-40B4-BE49-F238E27FC236}">
-                <a16:creationId xmlns:a16="http://schemas.microsoft.com/office/drawing/2014/main" id="{E91CB975-8C74-F331-9C2A-656D2B37E783}"/>
+          <p:cNvPr id="13" name="Picture 12">
+            <a:extLst>
+              <a:ext uri="{FF2B5EF4-FFF2-40B4-BE49-F238E27FC236}">
+                <a16:creationId xmlns:a16="http://schemas.microsoft.com/office/drawing/2014/main" id="{F8F36C41-D725-368A-ECD6-904F760E078F}"/>
               </a:ext>
             </a:extLst>
           </p:cNvPr>
@@ -10423,14 +9641,14 @@
           <p:nvPr/>
         </p:nvPicPr>
         <p:blipFill rotWithShape="1">
-          <a:blip r:embed="rId4"/>
-          <a:srcRect t="7620" b="64610"/>
+          <a:blip r:embed="rId3"/>
+          <a:srcRect l="5411" r="10728"/>
           <a:stretch/>
         </p:blipFill>
         <p:spPr>
           <a:xfrm>
-            <a:off x="1748559" y="1183341"/>
-            <a:ext cx="6591877" cy="1033964"/>
+            <a:off x="4255963" y="2110941"/>
+            <a:ext cx="6518054" cy="875763"/>
           </a:xfrm>
           <a:prstGeom prst="rect">
             <a:avLst/>
@@ -10439,10 +9657,10 @@
       </p:pic>
       <p:pic>
         <p:nvPicPr>
-          <p:cNvPr id="7" name="Picture 6">
-            <a:extLst>
-              <a:ext uri="{FF2B5EF4-FFF2-40B4-BE49-F238E27FC236}">
-                <a16:creationId xmlns:a16="http://schemas.microsoft.com/office/drawing/2014/main" id="{A387164F-8194-9BA7-20E5-24321F537586}"/>
+          <p:cNvPr id="21" name="Picture 20">
+            <a:extLst>
+              <a:ext uri="{FF2B5EF4-FFF2-40B4-BE49-F238E27FC236}">
+                <a16:creationId xmlns:a16="http://schemas.microsoft.com/office/drawing/2014/main" id="{BCD255B4-2AF3-A738-A387-D214B387B659}"/>
               </a:ext>
             </a:extLst>
           </p:cNvPr>
@@ -10452,14 +9670,74 @@
           <p:nvPr/>
         </p:nvPicPr>
         <p:blipFill rotWithShape="1">
-          <a:blip r:embed="rId5"/>
-          <a:srcRect b="21587"/>
+          <a:blip r:embed="rId4"/>
+          <a:srcRect l="6128" r="46021"/>
           <a:stretch/>
         </p:blipFill>
         <p:spPr>
           <a:xfrm>
-            <a:off x="1748559" y="2871287"/>
-            <a:ext cx="7772400" cy="1033964"/>
+            <a:off x="4311650" y="5371821"/>
+            <a:ext cx="3719168" cy="733488"/>
+          </a:xfrm>
+          <a:prstGeom prst="rect">
+            <a:avLst/>
+          </a:prstGeom>
+        </p:spPr>
+      </p:pic>
+      <p:pic>
+        <p:nvPicPr>
+          <p:cNvPr id="3" name="Picture 2">
+            <a:extLst>
+              <a:ext uri="{FF2B5EF4-FFF2-40B4-BE49-F238E27FC236}">
+                <a16:creationId xmlns:a16="http://schemas.microsoft.com/office/drawing/2014/main" id="{B96EF0B0-B783-4D21-A69A-ADB47BE2675A}"/>
+              </a:ext>
+            </a:extLst>
+          </p:cNvPr>
+          <p:cNvPicPr>
+            <a:picLocks noChangeAspect="1"/>
+          </p:cNvPicPr>
+          <p:nvPr/>
+        </p:nvPicPr>
+        <p:blipFill>
+          <a:blip r:embed="rId5"/>
+          <a:stretch>
+            <a:fillRect/>
+          </a:stretch>
+        </p:blipFill>
+        <p:spPr>
+          <a:xfrm>
+            <a:off x="4255963" y="825314"/>
+            <a:ext cx="6045921" cy="1158253"/>
+          </a:xfrm>
+          <a:prstGeom prst="rect">
+            <a:avLst/>
+          </a:prstGeom>
+        </p:spPr>
+      </p:pic>
+      <p:pic>
+        <p:nvPicPr>
+          <p:cNvPr id="4" name="Picture 3">
+            <a:extLst>
+              <a:ext uri="{FF2B5EF4-FFF2-40B4-BE49-F238E27FC236}">
+                <a16:creationId xmlns:a16="http://schemas.microsoft.com/office/drawing/2014/main" id="{D1141180-026D-77ED-5F33-83C25DF914C7}"/>
+              </a:ext>
+            </a:extLst>
+          </p:cNvPr>
+          <p:cNvPicPr>
+            <a:picLocks noChangeAspect="1"/>
+          </p:cNvPicPr>
+          <p:nvPr/>
+        </p:nvPicPr>
+        <p:blipFill>
+          <a:blip r:embed="rId6"/>
+          <a:stretch>
+            <a:fillRect/>
+          </a:stretch>
+        </p:blipFill>
+        <p:spPr>
+          <a:xfrm>
+            <a:off x="4255963" y="3321161"/>
+            <a:ext cx="6901381" cy="1454163"/>
           </a:xfrm>
           <a:prstGeom prst="rect">
             <a:avLst/>
@@ -10469,216 +9747,13 @@
     </p:spTree>
     <p:extLst>
       <p:ext uri="{BB962C8B-B14F-4D97-AF65-F5344CB8AC3E}">
-        <p14:creationId xmlns:p14="http://schemas.microsoft.com/office/powerpoint/2010/main" val="2977795927"/>
+        <p14:creationId xmlns:p14="http://schemas.microsoft.com/office/powerpoint/2010/main" val="2775404157"/>
       </p:ext>
     </p:extLst>
   </p:cSld>
   <p:clrMapOvr>
     <a:masterClrMapping/>
   </p:clrMapOvr>
-  <p:timing>
-    <p:tnLst>
-      <p:par>
-        <p:cTn id="1" dur="indefinite" restart="never" nodeType="tmRoot">
-          <p:childTnLst>
-            <p:seq concurrent="1" nextAc="seek">
-              <p:cTn id="2" dur="indefinite" nodeType="mainSeq">
-                <p:childTnLst>
-                  <p:par>
-                    <p:cTn id="3" fill="hold">
-                      <p:stCondLst>
-                        <p:cond delay="indefinite"/>
-                      </p:stCondLst>
-                      <p:childTnLst>
-                        <p:par>
-                          <p:cTn id="4" fill="hold">
-                            <p:stCondLst>
-                              <p:cond delay="0"/>
-                            </p:stCondLst>
-                            <p:childTnLst>
-                              <p:par>
-                                <p:cTn id="5" presetID="1" presetClass="entr" presetSubtype="0" fill="hold" nodeType="clickEffect">
-                                  <p:stCondLst>
-                                    <p:cond delay="0"/>
-                                  </p:stCondLst>
-                                  <p:childTnLst>
-                                    <p:set>
-                                      <p:cBhvr>
-                                        <p:cTn id="6" dur="1" fill="hold">
-                                          <p:stCondLst>
-                                            <p:cond delay="0"/>
-                                          </p:stCondLst>
-                                        </p:cTn>
-                                        <p:tgtEl>
-                                          <p:spTgt spid="2">
-                                            <p:txEl>
-                                              <p:pRg st="12" end="12"/>
-                                            </p:txEl>
-                                          </p:spTgt>
-                                        </p:tgtEl>
-                                        <p:attrNameLst>
-                                          <p:attrName>style.visibility</p:attrName>
-                                        </p:attrNameLst>
-                                      </p:cBhvr>
-                                      <p:to>
-                                        <p:strVal val="visible"/>
-                                      </p:to>
-                                    </p:set>
-                                  </p:childTnLst>
-                                </p:cTn>
-                              </p:par>
-                              <p:par>
-                                <p:cTn id="7" presetID="1" presetClass="entr" presetSubtype="0" fill="hold" nodeType="withEffect">
-                                  <p:stCondLst>
-                                    <p:cond delay="0"/>
-                                  </p:stCondLst>
-                                  <p:childTnLst>
-                                    <p:set>
-                                      <p:cBhvr>
-                                        <p:cTn id="8" dur="1" fill="hold">
-                                          <p:stCondLst>
-                                            <p:cond delay="0"/>
-                                          </p:stCondLst>
-                                        </p:cTn>
-                                        <p:tgtEl>
-                                          <p:spTgt spid="2">
-                                            <p:txEl>
-                                              <p:pRg st="13" end="13"/>
-                                            </p:txEl>
-                                          </p:spTgt>
-                                        </p:tgtEl>
-                                        <p:attrNameLst>
-                                          <p:attrName>style.visibility</p:attrName>
-                                        </p:attrNameLst>
-                                      </p:cBhvr>
-                                      <p:to>
-                                        <p:strVal val="visible"/>
-                                      </p:to>
-                                    </p:set>
-                                  </p:childTnLst>
-                                </p:cTn>
-                              </p:par>
-                              <p:par>
-                                <p:cTn id="9" presetID="1" presetClass="entr" presetSubtype="0" fill="hold" nodeType="withEffect">
-                                  <p:stCondLst>
-                                    <p:cond delay="0"/>
-                                  </p:stCondLst>
-                                  <p:childTnLst>
-                                    <p:set>
-                                      <p:cBhvr>
-                                        <p:cTn id="10" dur="1" fill="hold">
-                                          <p:stCondLst>
-                                            <p:cond delay="0"/>
-                                          </p:stCondLst>
-                                        </p:cTn>
-                                        <p:tgtEl>
-                                          <p:spTgt spid="2">
-                                            <p:txEl>
-                                              <p:pRg st="14" end="14"/>
-                                            </p:txEl>
-                                          </p:spTgt>
-                                        </p:tgtEl>
-                                        <p:attrNameLst>
-                                          <p:attrName>style.visibility</p:attrName>
-                                        </p:attrNameLst>
-                                      </p:cBhvr>
-                                      <p:to>
-                                        <p:strVal val="visible"/>
-                                      </p:to>
-                                    </p:set>
-                                  </p:childTnLst>
-                                </p:cTn>
-                              </p:par>
-                              <p:par>
-                                <p:cTn id="11" presetID="1" presetClass="entr" presetSubtype="0" fill="hold" nodeType="withEffect">
-                                  <p:stCondLst>
-                                    <p:cond delay="0"/>
-                                  </p:stCondLst>
-                                  <p:childTnLst>
-                                    <p:set>
-                                      <p:cBhvr>
-                                        <p:cTn id="12" dur="1" fill="hold">
-                                          <p:stCondLst>
-                                            <p:cond delay="0"/>
-                                          </p:stCondLst>
-                                        </p:cTn>
-                                        <p:tgtEl>
-                                          <p:spTgt spid="2">
-                                            <p:txEl>
-                                              <p:pRg st="15" end="15"/>
-                                            </p:txEl>
-                                          </p:spTgt>
-                                        </p:tgtEl>
-                                        <p:attrNameLst>
-                                          <p:attrName>style.visibility</p:attrName>
-                                        </p:attrNameLst>
-                                      </p:cBhvr>
-                                      <p:to>
-                                        <p:strVal val="visible"/>
-                                      </p:to>
-                                    </p:set>
-                                  </p:childTnLst>
-                                </p:cTn>
-                              </p:par>
-                              <p:par>
-                                <p:cTn id="13" presetID="1" presetClass="entr" presetSubtype="0" fill="hold" nodeType="withEffect">
-                                  <p:stCondLst>
-                                    <p:cond delay="0"/>
-                                  </p:stCondLst>
-                                  <p:childTnLst>
-                                    <p:set>
-                                      <p:cBhvr>
-                                        <p:cTn id="14" dur="1" fill="hold">
-                                          <p:stCondLst>
-                                            <p:cond delay="0"/>
-                                          </p:stCondLst>
-                                        </p:cTn>
-                                        <p:tgtEl>
-                                          <p:spTgt spid="2">
-                                            <p:txEl>
-                                              <p:pRg st="16" end="16"/>
-                                            </p:txEl>
-                                          </p:spTgt>
-                                        </p:tgtEl>
-                                        <p:attrNameLst>
-                                          <p:attrName>style.visibility</p:attrName>
-                                        </p:attrNameLst>
-                                      </p:cBhvr>
-                                      <p:to>
-                                        <p:strVal val="visible"/>
-                                      </p:to>
-                                    </p:set>
-                                  </p:childTnLst>
-                                </p:cTn>
-                              </p:par>
-                            </p:childTnLst>
-                          </p:cTn>
-                        </p:par>
-                      </p:childTnLst>
-                    </p:cTn>
-                  </p:par>
-                </p:childTnLst>
-              </p:cTn>
-              <p:prevCondLst>
-                <p:cond evt="onPrev" delay="0">
-                  <p:tgtEl>
-                    <p:sldTgt/>
-                  </p:tgtEl>
-                </p:cond>
-              </p:prevCondLst>
-              <p:nextCondLst>
-                <p:cond evt="onNext" delay="0">
-                  <p:tgtEl>
-                    <p:sldTgt/>
-                  </p:tgtEl>
-                </p:cond>
-              </p:nextCondLst>
-            </p:seq>
-          </p:childTnLst>
-        </p:cTn>
-      </p:par>
-    </p:tnLst>
-  </p:timing>
 </p:sld>
 </file>
 
@@ -10788,7 +9863,7 @@
                   <a:schemeClr val="accent1"/>
                 </a:solidFill>
               </a:rPr>
-              <a:t>PyTorch Implementation (hints)</a:t>
+              <a:t>Simulation error minimization – model #2</a:t>
             </a:r>
           </a:p>
         </p:txBody>
@@ -10836,202 +9911,157 @@
           </a:fontRef>
         </p:style>
       </p:cxnSp>
-      <p:sp>
-        <p:nvSpPr>
-          <p:cNvPr id="2" name="CasellaDiTesto 1">
-            <a:extLst>
-              <a:ext uri="{FF2B5EF4-FFF2-40B4-BE49-F238E27FC236}">
-                <a16:creationId xmlns:a16="http://schemas.microsoft.com/office/drawing/2014/main" id="{A2DE14E0-CC7B-02C4-B850-8C14C7345D75}"/>
-              </a:ext>
-            </a:extLst>
-          </p:cNvPr>
-          <p:cNvSpPr txBox="1"/>
-          <p:nvPr/>
-        </p:nvSpPr>
-        <p:spPr>
-          <a:xfrm>
-            <a:off x="246581" y="790250"/>
-            <a:ext cx="10383319" cy="5632311"/>
-          </a:xfrm>
-          <a:prstGeom prst="rect">
-            <a:avLst/>
-          </a:prstGeom>
-          <a:noFill/>
-        </p:spPr>
-        <p:txBody>
-          <a:bodyPr wrap="square" rtlCol="0">
-            <a:spAutoFit/>
-          </a:bodyPr>
-          <a:lstStyle/>
-          <a:p>
-            <a:r>
-              <a:rPr lang="it-CH" sz="2000" dirty="0"/>
-              <a:t>Initializations</a:t>
-            </a:r>
-          </a:p>
-          <a:p>
-            <a:endParaRPr lang="it-CH" sz="2000" dirty="0"/>
-          </a:p>
-          <a:p>
-            <a:endParaRPr lang="it-CH" sz="2000" dirty="0"/>
-          </a:p>
-          <a:p>
-            <a:endParaRPr lang="it-CH" sz="2000" dirty="0"/>
-          </a:p>
-          <a:p>
-            <a:r>
-              <a:rPr lang="it-CH" sz="2000" dirty="0"/>
-              <a:t>Define model and initial state</a:t>
-            </a:r>
-          </a:p>
-          <a:p>
-            <a:endParaRPr lang="it-CH" sz="2000" dirty="0"/>
-          </a:p>
-          <a:p>
-            <a:endParaRPr lang="it-CH" sz="2000" dirty="0"/>
-          </a:p>
-          <a:p>
-            <a:endParaRPr lang="it-CH" sz="2000" dirty="0"/>
-          </a:p>
-          <a:p>
-            <a:endParaRPr lang="it-CH" sz="2000" dirty="0"/>
-          </a:p>
-          <a:p>
-            <a:r>
-              <a:rPr lang="it-CH" sz="2000" dirty="0"/>
-              <a:t>Define optimizer</a:t>
-            </a:r>
-          </a:p>
-          <a:p>
-            <a:endParaRPr lang="it-CH" sz="2000" dirty="0"/>
-          </a:p>
-          <a:p>
-            <a:endParaRPr lang="it-CH" sz="2000" dirty="0"/>
-          </a:p>
-          <a:p>
-            <a:endParaRPr lang="it-CH" sz="2000" dirty="0"/>
-          </a:p>
-          <a:p>
-            <a:endParaRPr lang="it-CH" sz="2000" dirty="0"/>
-          </a:p>
-          <a:p>
-            <a:endParaRPr lang="it-CH" sz="2000" dirty="0"/>
-          </a:p>
-          <a:p>
-            <a:r>
-              <a:rPr lang="it-CH" sz="2000" dirty="0"/>
-              <a:t>Compute loss (in a trainig loop…)</a:t>
-            </a:r>
-          </a:p>
-          <a:p>
-            <a:endParaRPr lang="it-CH" sz="2000" dirty="0"/>
-          </a:p>
-          <a:p>
-            <a:endParaRPr lang="it-CH" sz="2000" dirty="0"/>
-          </a:p>
-        </p:txBody>
-      </p:sp>
+      <mc:AlternateContent xmlns:mc="http://schemas.openxmlformats.org/markup-compatibility/2006" xmlns:a14="http://schemas.microsoft.com/office/drawing/2010/main">
+        <mc:Choice Requires="a14">
+          <p:sp>
+            <p:nvSpPr>
+              <p:cNvPr id="2" name="CasellaDiTesto 1">
+                <a:extLst>
+                  <a:ext uri="{FF2B5EF4-FFF2-40B4-BE49-F238E27FC236}">
+                    <a16:creationId xmlns:a16="http://schemas.microsoft.com/office/drawing/2014/main" id="{A2DE14E0-CC7B-02C4-B850-8C14C7345D75}"/>
+                  </a:ext>
+                </a:extLst>
+              </p:cNvPr>
+              <p:cNvSpPr txBox="1"/>
+              <p:nvPr/>
+            </p:nvSpPr>
+            <p:spPr>
+              <a:xfrm>
+                <a:off x="47625" y="704850"/>
+                <a:ext cx="12192000" cy="3539430"/>
+              </a:xfrm>
+              <a:prstGeom prst="rect">
+                <a:avLst/>
+              </a:prstGeom>
+              <a:noFill/>
+            </p:spPr>
+            <p:txBody>
+              <a:bodyPr wrap="square" rtlCol="0">
+                <a:spAutoFit/>
+              </a:bodyPr>
+              <a:lstStyle/>
+              <a:p>
+                <a:endParaRPr lang="it-CH" sz="2400" dirty="0"/>
+              </a:p>
+              <a:p>
+                <a:r>
+                  <a:rPr lang="it-CH" sz="2000" dirty="0"/>
+                  <a:t>Let us implement </a:t>
+                </a:r>
+                <a:r>
+                  <a:rPr lang="it-CH" sz="2000" b="1" dirty="0"/>
+                  <a:t>simulation error minimization</a:t>
+                </a:r>
+              </a:p>
+              <a:p>
+                <a:endParaRPr lang="it-CH" sz="2000" dirty="0"/>
+              </a:p>
+              <a:p>
+                <a:endParaRPr lang="it-CH" sz="2000" dirty="0"/>
+              </a:p>
+              <a:p>
+                <a:endParaRPr lang="it-CH" sz="2000" dirty="0"/>
+              </a:p>
+              <a:p>
+                <a:endParaRPr lang="it-CH" sz="2000" dirty="0"/>
+              </a:p>
+              <a:p>
+                <a:endParaRPr lang="it-CH" sz="2000" dirty="0"/>
+              </a:p>
+              <a:p>
+                <a:endParaRPr lang="it-CH" sz="2000" dirty="0"/>
+              </a:p>
+              <a:p>
+                <a:endParaRPr lang="it-CH" sz="2000" dirty="0"/>
+              </a:p>
+              <a:p>
+                <a:r>
+                  <a:rPr lang="it-CH" sz="2000" dirty="0"/>
+                  <a:t>Where </a:t>
+                </a:r>
+                <a14:m>
+                  <m:oMath xmlns:m="http://schemas.openxmlformats.org/officeDocument/2006/math">
+                    <m:r>
+                      <a:rPr lang="it-CH" sz="2000" i="1" dirty="0" smtClean="0">
+                        <a:latin typeface="Cambria Math" panose="02040503050406030204" pitchFamily="18" charset="0"/>
+                      </a:rPr>
+                      <m:t>𝑓</m:t>
+                    </m:r>
+                  </m:oMath>
+                </a14:m>
+                <a:r>
+                  <a:rPr lang="it-CH" sz="2000" dirty="0"/>
+                  <a:t> is a generic feed-forward neural networks and the second state is observed:</a:t>
+                </a:r>
+              </a:p>
+              <a:p>
+                <a:endParaRPr lang="it-CH" sz="2000" dirty="0"/>
+              </a:p>
+            </p:txBody>
+          </p:sp>
+        </mc:Choice>
+        <mc:Fallback xmlns="">
+          <p:sp>
+            <p:nvSpPr>
+              <p:cNvPr id="2" name="CasellaDiTesto 1">
+                <a:extLst>
+                  <a:ext uri="{FF2B5EF4-FFF2-40B4-BE49-F238E27FC236}">
+                    <a16:creationId xmlns:a16="http://schemas.microsoft.com/office/drawing/2014/main" id="{A2DE14E0-CC7B-02C4-B850-8C14C7345D75}"/>
+                  </a:ext>
+                </a:extLst>
+              </p:cNvPr>
+              <p:cNvSpPr txBox="1">
+                <a:spLocks noRot="1" noChangeAspect="1" noMove="1" noResize="1" noEditPoints="1" noAdjustHandles="1" noChangeArrowheads="1" noChangeShapeType="1" noTextEdit="1"/>
+              </p:cNvSpPr>
+              <p:nvPr/>
+            </p:nvSpPr>
+            <p:spPr>
+              <a:xfrm>
+                <a:off x="47625" y="704850"/>
+                <a:ext cx="12192000" cy="3539430"/>
+              </a:xfrm>
+              <a:prstGeom prst="rect">
+                <a:avLst/>
+              </a:prstGeom>
+              <a:blipFill>
+                <a:blip r:embed="rId5"/>
+                <a:stretch>
+                  <a:fillRect l="-520"/>
+                </a:stretch>
+              </a:blipFill>
+            </p:spPr>
+            <p:txBody>
+              <a:bodyPr/>
+              <a:lstStyle/>
+              <a:p>
+                <a:r>
+                  <a:rPr lang="en-CH">
+                    <a:noFill/>
+                  </a:rPr>
+                  <a:t> </a:t>
+                </a:r>
+              </a:p>
+            </p:txBody>
+          </p:sp>
+        </mc:Fallback>
+      </mc:AlternateContent>
       <p:pic>
         <p:nvPicPr>
-          <p:cNvPr id="13" name="Picture 12">
-            <a:extLst>
-              <a:ext uri="{FF2B5EF4-FFF2-40B4-BE49-F238E27FC236}">
-                <a16:creationId xmlns:a16="http://schemas.microsoft.com/office/drawing/2014/main" id="{F8F36C41-D725-368A-ECD6-904F760E078F}"/>
+          <p:cNvPr id="5" name="Picture 4" descr="\documentclass{article}&#10;\usepackage{amsmath}&#10;\newcommand{\sys}{S}&#10;\newcommand{\diss}{d}&#10;\newcommand{\learn}{\mathcal{L}} &#10;\newcommand{\free}{\mathcal{M}}  &#10;\newcommand{\D}{\mathcal{D}}&#10;\newcommand{\R}{\mathbb{R}}&#10;\newcommand{\nsamp}{N}&#10;\newcommand{\norm}[1]{\left\lVert#1\right\rVert}&#10;\newcommand{\E}{\mathbb{E}}&#10;\newcommand{\mdl}{M}&#10;\newcommand{\mdlstruc}{\mathcal{M}}&#10;\pagestyle{empty}&#10;&#10;\begin{document}&#10;&#10; \begin{equation*}&#10; \begin{split}&#10;  \dot x &amp;= f(x, u;\;\theta)\\&#10;  y &amp;= x_2&#10;  \end{split}&#10; \end{equation*}&#10;&#10;\end{document}" title="IguanaTex Bitmap Display">
+            <a:extLst>
+              <a:ext uri="{FF2B5EF4-FFF2-40B4-BE49-F238E27FC236}">
+                <a16:creationId xmlns:a16="http://schemas.microsoft.com/office/drawing/2014/main" id="{35DEC21A-6331-5601-8FAA-5493BC4E089A}"/>
               </a:ext>
             </a:extLst>
           </p:cNvPr>
           <p:cNvPicPr>
             <a:picLocks noChangeAspect="1"/>
           </p:cNvPicPr>
-          <p:nvPr/>
-        </p:nvPicPr>
-        <p:blipFill rotWithShape="1">
-          <a:blip r:embed="rId3"/>
-          <a:srcRect l="5411" r="10728"/>
-          <a:stretch/>
-        </p:blipFill>
-        <p:spPr>
-          <a:xfrm>
-            <a:off x="4255963" y="2110941"/>
-            <a:ext cx="6518054" cy="875763"/>
-          </a:xfrm>
-          <a:prstGeom prst="rect">
-            <a:avLst/>
-          </a:prstGeom>
-        </p:spPr>
-      </p:pic>
-      <p:pic>
-        <p:nvPicPr>
-          <p:cNvPr id="21" name="Picture 20">
-            <a:extLst>
-              <a:ext uri="{FF2B5EF4-FFF2-40B4-BE49-F238E27FC236}">
-                <a16:creationId xmlns:a16="http://schemas.microsoft.com/office/drawing/2014/main" id="{BCD255B4-2AF3-A738-A387-D214B387B659}"/>
-              </a:ext>
-            </a:extLst>
-          </p:cNvPr>
-          <p:cNvPicPr>
-            <a:picLocks noChangeAspect="1"/>
-          </p:cNvPicPr>
-          <p:nvPr/>
-        </p:nvPicPr>
-        <p:blipFill rotWithShape="1">
-          <a:blip r:embed="rId4"/>
-          <a:srcRect l="6128" r="46021"/>
-          <a:stretch/>
-        </p:blipFill>
-        <p:spPr>
-          <a:xfrm>
-            <a:off x="4311650" y="5371821"/>
-            <a:ext cx="3719168" cy="733488"/>
-          </a:xfrm>
-          <a:prstGeom prst="rect">
-            <a:avLst/>
-          </a:prstGeom>
-        </p:spPr>
-      </p:pic>
-      <p:pic>
-        <p:nvPicPr>
-          <p:cNvPr id="3" name="Picture 2">
-            <a:extLst>
-              <a:ext uri="{FF2B5EF4-FFF2-40B4-BE49-F238E27FC236}">
-                <a16:creationId xmlns:a16="http://schemas.microsoft.com/office/drawing/2014/main" id="{B96EF0B0-B783-4D21-A69A-ADB47BE2675A}"/>
-              </a:ext>
-            </a:extLst>
-          </p:cNvPr>
-          <p:cNvPicPr>
-            <a:picLocks noChangeAspect="1"/>
-          </p:cNvPicPr>
-          <p:nvPr/>
-        </p:nvPicPr>
-        <p:blipFill>
-          <a:blip r:embed="rId5"/>
-          <a:stretch>
-            <a:fillRect/>
-          </a:stretch>
-        </p:blipFill>
-        <p:spPr>
-          <a:xfrm>
-            <a:off x="4255963" y="825314"/>
-            <a:ext cx="6045921" cy="1158253"/>
-          </a:xfrm>
-          <a:prstGeom prst="rect">
-            <a:avLst/>
-          </a:prstGeom>
-        </p:spPr>
-      </p:pic>
-      <p:pic>
-        <p:nvPicPr>
-          <p:cNvPr id="4" name="Picture 3">
-            <a:extLst>
-              <a:ext uri="{FF2B5EF4-FFF2-40B4-BE49-F238E27FC236}">
-                <a16:creationId xmlns:a16="http://schemas.microsoft.com/office/drawing/2014/main" id="{D1141180-026D-77ED-5F33-83C25DF914C7}"/>
-              </a:ext>
-            </a:extLst>
-          </p:cNvPr>
-          <p:cNvPicPr>
-            <a:picLocks noChangeAspect="1"/>
-          </p:cNvPicPr>
-          <p:nvPr/>
+          <p:nvPr>
+            <p:custDataLst>
+              <p:tags r:id="rId1"/>
+            </p:custDataLst>
+          </p:nvPr>
         </p:nvPicPr>
         <p:blipFill>
           <a:blip r:embed="rId6"/>
@@ -11041,8 +10071,42 @@
         </p:blipFill>
         <p:spPr>
           <a:xfrm>
-            <a:off x="4255963" y="3321161"/>
-            <a:ext cx="6901381" cy="1454163"/>
+            <a:off x="4417120" y="4504177"/>
+            <a:ext cx="1678880" cy="699533"/>
+          </a:xfrm>
+          <a:prstGeom prst="rect">
+            <a:avLst/>
+          </a:prstGeom>
+        </p:spPr>
+      </p:pic>
+      <p:pic>
+        <p:nvPicPr>
+          <p:cNvPr id="8" name="Picture 7" descr="\documentclass{article}&#10;\usepackage{amsmath}&#10;\newcommand{\sys}{S}&#10;\newcommand{\diss}{d}&#10;\newcommand{\learn}{\mathcal{L}} &#10;\newcommand{\free}{\mathcal{M}}  &#10;\newcommand{\D}{\mathcal{D}}&#10;\newcommand{\R}{\mathbb{R}}&#10;\newcommand{\nsamp}{T}&#10;\newcommand{\norm}[1]{\left\lVert#1\right\rVert}&#10;\newcommand{\E}{\mathbb{E}}&#10;\newcommand{\mdl}{M}&#10;\newcommand{\mdlstruc}{\mathcal{M}}&#10;\pagestyle{empty}&#10;&#10;\begin{document}&#10;&#10; \begin{equation*}&#10;  \hat \theta, \hat {x}(0) = \arg \min_{\theta, x(0)} &#10;\frac{1}{T} \sum_{k=0}^{\nsamp-1} \norm{\hat y^\mathrm{sim}(k) - y(k)}^2&#10; \end{equation*}&#10;&#10;\end{document}" title="IguanaTex Bitmap Display">
+            <a:extLst>
+              <a:ext uri="{FF2B5EF4-FFF2-40B4-BE49-F238E27FC236}">
+                <a16:creationId xmlns:a16="http://schemas.microsoft.com/office/drawing/2014/main" id="{99AEA4A8-E1A5-2666-9732-DB32E9B31F4B}"/>
+              </a:ext>
+            </a:extLst>
+          </p:cNvPr>
+          <p:cNvPicPr>
+            <a:picLocks noChangeAspect="1"/>
+          </p:cNvPicPr>
+          <p:nvPr>
+            <p:custDataLst>
+              <p:tags r:id="rId2"/>
+            </p:custDataLst>
+          </p:nvPr>
+        </p:nvPicPr>
+        <p:blipFill>
+          <a:blip r:embed="rId7"/>
+          <a:stretch>
+            <a:fillRect/>
+          </a:stretch>
+        </p:blipFill>
+        <p:spPr>
+          <a:xfrm>
+            <a:off x="2718814" y="1949071"/>
+            <a:ext cx="5075492" cy="827526"/>
           </a:xfrm>
           <a:prstGeom prst="rect">
             <a:avLst/>
@@ -11052,7 +10116,7 @@
     </p:spTree>
     <p:extLst>
       <p:ext uri="{BB962C8B-B14F-4D97-AF65-F5344CB8AC3E}">
-        <p14:creationId xmlns:p14="http://schemas.microsoft.com/office/powerpoint/2010/main" val="2775404157"/>
+        <p14:creationId xmlns:p14="http://schemas.microsoft.com/office/powerpoint/2010/main" val="2272634250"/>
       </p:ext>
     </p:extLst>
   </p:cSld>
@@ -11065,13 +10129,13 @@
 <file path=ppt/tags/tag1.xml><?xml version="1.0" encoding="utf-8"?>
 <p:tagLst xmlns:a="http://schemas.openxmlformats.org/drawingml/2006/main" xmlns:r="http://schemas.openxmlformats.org/officeDocument/2006/relationships" xmlns:p="http://schemas.openxmlformats.org/presentationml/2006/main">
   <p:tag name="OUTPUTDPI" val="1200"/>
-  <p:tag name="ORIGINALHEIGHT" val="30"/>
-  <p:tag name="ORIGINALWIDTH" val="180"/>
+  <p:tag name="ORIGINALHEIGHT" val="27"/>
+  <p:tag name="ORIGINALWIDTH" val="148"/>
   <p:tag name="OUTPUTTYPE" val="PDF"/>
   <p:tag name="IGUANATEXVERSION" val="160"/>
-  <p:tag name="LATEXADDIN" val="\documentclass{article}&#10;\usepackage{amsmath}&#10;\newcommand{\sys}{S}&#10;\newcommand{\diss}{d}&#10;\newcommand{\learn}{\mathcal{L}} &#10;\newcommand{\free}{\mathcal{M}}  &#10;\newcommand{\D}{\mathcal{D}}&#10;\newcommand{\R}{\mathbb{R}}&#10;\newcommand{\nsamp}{N}&#10;\newcommand{\norm}[1]{\left\lVert#1\right\rVert}&#10;\newcommand{\E}{\mathbb{E}}&#10;\newcommand{\mdl}{M}&#10;\newcommand{\mdlstruc}{\mathcal{M}}&#10;\pagestyle{empty}&#10;&#10;\begin{document}&#10;&#10; \begin{equation*}&#10;  \hat \theta, \hat {x}_0 = \arg \min_{\theta, x_0} &#10;\frac{1}{N}&#10;\sum_{k=0}^{\nsamp-1} \norm{\hat y_k^\mathrm{sim}(\theta, x_0) - y_k}^2&#10; \end{equation*}&#10;&#10;\end{document}"/>
+  <p:tag name="LATEXADDIN" val="\documentclass{article}&#10;\usepackage{amsmath}&#10;\newcommand{\sys}{S}&#10;\newcommand{\diss}{d}&#10;\newcommand{\learn}{\mathcal{L}} &#10;\newcommand{\free}{\mathcal{M}}  &#10;\newcommand{\D}{\mathcal{D}}&#10;\newcommand{\R}{\mathbb{R}}&#10;\newcommand{\nsamp}{N}&#10;\newcommand{\norm}[1]{\left\lVert#1\right\rVert}&#10;\newcommand{\E}{\mathbb{E}}&#10;\newcommand{\mdl}{M}&#10;\newcommand{\mdlstruc}{\mathcal{M}}&#10;\pagestyle{empty}&#10;&#10;\begin{document}&#10;&#10; \begin{equation*}&#10; \begin{split}&#10;  x({k+1}) &amp;= x(k) + &#10;f(x(k), u(k);\;\theta)\\&#10;  \hat{y}^{\rm sim}(k) &amp;= g(x(k);\;\theta)&#10;  \end{split}&#10; \end{equation*}&#10;&#10;\end{document}"/>
   <p:tag name="IGUANATEXSIZE" val="24"/>
-  <p:tag name="IGUANATEXCURSOR" val="489"/>
+  <p:tag name="IGUANATEXCURSOR" val="510"/>
   <p:tag name="TRANSPARENCY" val="True"/>
   <p:tag name="LATEXENGINEID" val="0"/>
   <p:tag name="TEMPFOLDER" val="/Users/marco.forgione/Library/Containers/com.microsoft.Powerpoint/Data/tmp/TemporaryItems/"/>
@@ -11085,13 +10149,13 @@
 <file path=ppt/tags/tag2.xml><?xml version="1.0" encoding="utf-8"?>
 <p:tagLst xmlns:a="http://schemas.openxmlformats.org/drawingml/2006/main" xmlns:r="http://schemas.openxmlformats.org/officeDocument/2006/relationships" xmlns:p="http://schemas.openxmlformats.org/presentationml/2006/main">
   <p:tag name="OUTPUTDPI" val="1200"/>
-  <p:tag name="ORIGINALHEIGHT" val="27"/>
-  <p:tag name="ORIGINALWIDTH" val="107"/>
+  <p:tag name="ORIGINALHEIGHT" val="30"/>
+  <p:tag name="ORIGINALWIDTH" val="184"/>
   <p:tag name="OUTPUTTYPE" val="PDF"/>
   <p:tag name="IGUANATEXVERSION" val="160"/>
-  <p:tag name="LATEXADDIN" val="\documentclass{article}&#10;\usepackage{amsmath}&#10;\newcommand{\sys}{S}&#10;\newcommand{\diss}{d}&#10;\newcommand{\learn}{\mathcal{L}} &#10;\newcommand{\free}{\mathcal{M}}  &#10;\newcommand{\D}{\mathcal{D}}&#10;\newcommand{\R}{\mathbb{R}}&#10;\newcommand{\nsamp}{N}&#10;\newcommand{\norm}[1]{\left\lVert#1\right\rVert}&#10;\newcommand{\E}{\mathbb{E}}&#10;\newcommand{\mdl}{M}&#10;\newcommand{\mdlstruc}{\mathcal{M}}&#10;\pagestyle{empty}&#10;&#10;\begin{document}&#10;&#10; \begin{equation*}&#10; \begin{split}&#10;  x_{k+1} &amp;= x_k + f(x_k, u_k;\;\theta)\\&#10;  \hat{y}_k^{\rm sim} &amp;= g(x_k;\;\theta)&#10;  \end{split}&#10; \end{equation*}&#10;&#10;\end{document}"/>
+  <p:tag name="LATEXADDIN" val="\documentclass{article}&#10;\usepackage{amsmath}&#10;\newcommand{\sys}{S}&#10;\newcommand{\diss}{d}&#10;\newcommand{\learn}{\mathcal{L}} &#10;\newcommand{\free}{\mathcal{M}}  &#10;\newcommand{\D}{\mathcal{D}}&#10;\newcommand{\R}{\mathbb{R}}&#10;\newcommand{\nsamp}{T}&#10;\newcommand{\norm}[1]{\left\lVert#1\right\rVert}&#10;\newcommand{\E}{\mathbb{E}}&#10;\newcommand{\mdl}{M}&#10;\newcommand{\mdlstruc}{\mathcal{M}}&#10;\pagestyle{empty}&#10;&#10;\begin{document}&#10;&#10; \begin{equation*}&#10;  \hat \theta, \hat {x}(0) = \arg \min_{\theta, x(0)} &#10;\frac{1}{T} \sum_{k=0}^{\nsamp-1} \norm{\hat y^\mathrm{sim}(k) - y(k)}^2&#10; \end{equation*}&#10;&#10;\end{document}"/>
   <p:tag name="IGUANATEXSIZE" val="24"/>
-  <p:tag name="IGUANATEXCURSOR" val="465"/>
+  <p:tag name="IGUANATEXCURSOR" val="550"/>
   <p:tag name="TRANSPARENCY" val="True"/>
   <p:tag name="LATEXENGINEID" val="0"/>
   <p:tag name="TEMPFOLDER" val="/Users/marco.forgione/Library/Containers/com.microsoft.Powerpoint/Data/tmp/TemporaryItems/"/>
@@ -11103,26 +10167,6 @@
 </file>
 
 <file path=ppt/tags/tag3.xml><?xml version="1.0" encoding="utf-8"?>
-<p:tagLst xmlns:a="http://schemas.openxmlformats.org/drawingml/2006/main" xmlns:r="http://schemas.openxmlformats.org/officeDocument/2006/relationships" xmlns:p="http://schemas.openxmlformats.org/presentationml/2006/main">
-  <p:tag name="OUTPUTDPI" val="1200"/>
-  <p:tag name="ORIGINALHEIGHT" val="30"/>
-  <p:tag name="ORIGINALWIDTH" val="167"/>
-  <p:tag name="OUTPUTTYPE" val="PDF"/>
-  <p:tag name="IGUANATEXVERSION" val="160"/>
-  <p:tag name="LATEXADDIN" val="\documentclass{article}&#10;\usepackage{amsmath}&#10;\newcommand{\sys}{S}&#10;\newcommand{\diss}{d}&#10;\newcommand{\learn}{\mathcal{L}} &#10;\newcommand{\free}{\mathcal{M}}  &#10;\newcommand{\D}{\mathcal{D}}&#10;\newcommand{\R}{\mathbb{R}}&#10;\newcommand{\nsamp}{N}&#10;\newcommand{\norm}[1]{\left\lVert#1\right\rVert}&#10;\newcommand{\E}{\mathbb{E}}&#10;\newcommand{\mdl}{M}&#10;\newcommand{\mdlstruc}{\mathcal{M}}&#10;\pagestyle{empty}&#10;&#10;\begin{document}&#10;&#10; \begin{equation*}&#10;  \hat \theta, \hat {x}_0 = \arg \min_{\theta, x_0} \sum_{k=0}^{\nsamp-1} \norm{\hat y_k^\mathrm{sim}(\theta, x_0) - y_k}^2&#10; \end{equation*}&#10;&#10;\end{document}"/>
-  <p:tag name="IGUANATEXSIZE" val="24"/>
-  <p:tag name="IGUANATEXCURSOR" val="451"/>
-  <p:tag name="TRANSPARENCY" val="True"/>
-  <p:tag name="LATEXENGINEID" val="0"/>
-  <p:tag name="TEMPFOLDER" val="/Users/marco.forgione/Library/Containers/com.microsoft.Powerpoint/Data/tmp/TemporaryItems/"/>
-  <p:tag name="LATEXFORMHEIGHT" val="426.65"/>
-  <p:tag name="LATEXFORMWIDTH" val="513.35"/>
-  <p:tag name="LATEXFORMWRAP" val="True"/>
-  <p:tag name="BITMAPVECTOR" val="0"/>
-</p:tagLst>
-</file>
-
-<file path=ppt/tags/tag4.xml><?xml version="1.0" encoding="utf-8"?>
 <p:tagLst xmlns:a="http://schemas.openxmlformats.org/drawingml/2006/main" xmlns:r="http://schemas.openxmlformats.org/officeDocument/2006/relationships" xmlns:p="http://schemas.openxmlformats.org/presentationml/2006/main">
   <p:tag name="OUTPUTDPI" val="1200"/>
   <p:tag name="ORIGINALHEIGHT" val="25"/>
@@ -11142,16 +10186,36 @@
 </p:tagLst>
 </file>
 
+<file path=ppt/tags/tag4.xml><?xml version="1.0" encoding="utf-8"?>
+<p:tagLst xmlns:a="http://schemas.openxmlformats.org/drawingml/2006/main" xmlns:r="http://schemas.openxmlformats.org/officeDocument/2006/relationships" xmlns:p="http://schemas.openxmlformats.org/presentationml/2006/main">
+  <p:tag name="OUTPUTDPI" val="1200"/>
+  <p:tag name="ORIGINALHEIGHT" val="30"/>
+  <p:tag name="ORIGINALWIDTH" val="184"/>
+  <p:tag name="OUTPUTTYPE" val="PDF"/>
+  <p:tag name="IGUANATEXVERSION" val="160"/>
+  <p:tag name="LATEXADDIN" val="\documentclass{article}&#10;\usepackage{amsmath}&#10;\newcommand{\sys}{S}&#10;\newcommand{\diss}{d}&#10;\newcommand{\learn}{\mathcal{L}} &#10;\newcommand{\free}{\mathcal{M}}  &#10;\newcommand{\D}{\mathcal{D}}&#10;\newcommand{\R}{\mathbb{R}}&#10;\newcommand{\nsamp}{T}&#10;\newcommand{\norm}[1]{\left\lVert#1\right\rVert}&#10;\newcommand{\E}{\mathbb{E}}&#10;\newcommand{\mdl}{M}&#10;\newcommand{\mdlstruc}{\mathcal{M}}&#10;\pagestyle{empty}&#10;&#10;\begin{document}&#10;&#10; \begin{equation*}&#10;  \hat \theta, \hat {x}(0) = \arg \min_{\theta, x(0)} &#10;\frac{1}{T} \sum_{k=0}^{\nsamp-1} \norm{\hat y^\mathrm{sim}(k) - y(k)}^2&#10; \end{equation*}&#10;&#10;\end{document}"/>
+  <p:tag name="IGUANATEXSIZE" val="24"/>
+  <p:tag name="IGUANATEXCURSOR" val="550"/>
+  <p:tag name="TRANSPARENCY" val="True"/>
+  <p:tag name="LATEXENGINEID" val="0"/>
+  <p:tag name="TEMPFOLDER" val="/Users/marco.forgione/Library/Containers/com.microsoft.Powerpoint/Data/tmp/TemporaryItems/"/>
+  <p:tag name="LATEXFORMHEIGHT" val="426.65"/>
+  <p:tag name="LATEXFORMWIDTH" val="513.35"/>
+  <p:tag name="LATEXFORMWRAP" val="True"/>
+  <p:tag name="BITMAPVECTOR" val="0"/>
+</p:tagLst>
+</file>
+
 <file path=ppt/tags/tag5.xml><?xml version="1.0" encoding="utf-8"?>
 <p:tagLst xmlns:a="http://schemas.openxmlformats.org/drawingml/2006/main" xmlns:r="http://schemas.openxmlformats.org/officeDocument/2006/relationships" xmlns:p="http://schemas.openxmlformats.org/presentationml/2006/main">
   <p:tag name="OUTPUTDPI" val="1200"/>
-  <p:tag name="ORIGINALHEIGHT" val="30"/>
-  <p:tag name="ORIGINALWIDTH" val="167"/>
+  <p:tag name="ORIGINALHEIGHT" val="40"/>
+  <p:tag name="ORIGINALWIDTH" val="84"/>
   <p:tag name="OUTPUTTYPE" val="PDF"/>
   <p:tag name="IGUANATEXVERSION" val="160"/>
-  <p:tag name="LATEXADDIN" val="\documentclass{article}&#10;\usepackage{amsmath}&#10;\newcommand{\sys}{S}&#10;\newcommand{\diss}{d}&#10;\newcommand{\learn}{\mathcal{L}} &#10;\newcommand{\free}{\mathcal{M}}  &#10;\newcommand{\D}{\mathcal{D}}&#10;\newcommand{\R}{\mathbb{R}}&#10;\newcommand{\nsamp}{N}&#10;\newcommand{\norm}[1]{\left\lVert#1\right\rVert}&#10;\newcommand{\E}{\mathbb{E}}&#10;\newcommand{\mdl}{M}&#10;\newcommand{\mdlstruc}{\mathcal{M}}&#10;\pagestyle{empty}&#10;&#10;\begin{document}&#10;&#10; \begin{equation*}&#10;  \hat \theta, \hat {x}_0 = \arg \min_{\theta, x_0} \sum_{k=0}^{\nsamp-1} \norm{\hat y_k^\mathrm{sim}(\theta, x_0) - y_k}^2&#10; \end{equation*}&#10;&#10;\end{document}"/>
-  <p:tag name="IGUANATEXSIZE" val="24"/>
-  <p:tag name="IGUANATEXCURSOR" val="451"/>
+  <p:tag name="LATEXADDIN" val="\documentclass{article}&#10;\usepackage{amsmath}&#10;\newcommand{\sys}{S}&#10;\newcommand{\diss}{d}&#10;\newcommand{\learn}{\mathcal{L}} &#10;\newcommand{\free}{\mathcal{M}}  &#10;\newcommand{\D}{\mathcal{D}}&#10;\newcommand{\R}{\mathbb{R}}&#10;\newcommand{\nsamp}{N}&#10;\newcommand{\norm}[1]{\left\lVert#1\right\rVert}&#10;\newcommand{\E}{\mathbb{E}}&#10;\newcommand{\mdl}{M}&#10;\newcommand{\mdlstruc}{\mathcal{M}}&#10;\pagestyle{empty}&#10;&#10;\begin{document}&#10;&#10;\begin{align*}&#10;\dot x_1 &amp;= f_1(x_1, u; \theta) \\&#10;\dot x_2 &amp;= f_2(x_1, x_2, u; \theta) \\&#10;y &amp;= x_2&#10;\end{align*}&#10;&#10;\end{document}"/>
+  <p:tag name="IGUANATEXSIZE" val="18"/>
+  <p:tag name="IGUANATEXCURSOR" val="484"/>
   <p:tag name="TRANSPARENCY" val="True"/>
   <p:tag name="LATEXENGINEID" val="0"/>
   <p:tag name="TEMPFOLDER" val="/Users/marco.forgione/Library/Containers/com.microsoft.Powerpoint/Data/tmp/TemporaryItems/"/>
@@ -11165,13 +10229,13 @@
 <file path=ppt/tags/tag6.xml><?xml version="1.0" encoding="utf-8"?>
 <p:tagLst xmlns:a="http://schemas.openxmlformats.org/drawingml/2006/main" xmlns:r="http://schemas.openxmlformats.org/officeDocument/2006/relationships" xmlns:p="http://schemas.openxmlformats.org/presentationml/2006/main">
   <p:tag name="OUTPUTDPI" val="1200"/>
-  <p:tag name="ORIGINALHEIGHT" val="40"/>
-  <p:tag name="ORIGINALWIDTH" val="84"/>
+  <p:tag name="ORIGINALHEIGHT" val="30"/>
+  <p:tag name="ORIGINALWIDTH" val="184"/>
   <p:tag name="OUTPUTTYPE" val="PDF"/>
   <p:tag name="IGUANATEXVERSION" val="160"/>
-  <p:tag name="LATEXADDIN" val="\documentclass{article}&#10;\usepackage{amsmath}&#10;\newcommand{\sys}{S}&#10;\newcommand{\diss}{d}&#10;\newcommand{\learn}{\mathcal{L}} &#10;\newcommand{\free}{\mathcal{M}}  &#10;\newcommand{\D}{\mathcal{D}}&#10;\newcommand{\R}{\mathbb{R}}&#10;\newcommand{\nsamp}{N}&#10;\newcommand{\norm}[1]{\left\lVert#1\right\rVert}&#10;\newcommand{\E}{\mathbb{E}}&#10;\newcommand{\mdl}{M}&#10;\newcommand{\mdlstruc}{\mathcal{M}}&#10;\pagestyle{empty}&#10;&#10;\begin{document}&#10;&#10;\begin{align*}&#10;\dot x_1 &amp;= f_1(x_1, u; \theta) \\&#10;\dot x_2 &amp;= f_2(x_1, x_2, u; \theta) \\&#10;y &amp;= x_2&#10;\end{align*}&#10;&#10;\end{document}"/>
-  <p:tag name="IGUANATEXSIZE" val="18"/>
-  <p:tag name="IGUANATEXCURSOR" val="484"/>
+  <p:tag name="LATEXADDIN" val="\documentclass{article}&#10;\usepackage{amsmath}&#10;\newcommand{\sys}{S}&#10;\newcommand{\diss}{d}&#10;\newcommand{\learn}{\mathcal{L}} &#10;\newcommand{\free}{\mathcal{M}}  &#10;\newcommand{\D}{\mathcal{D}}&#10;\newcommand{\R}{\mathbb{R}}&#10;\newcommand{\nsamp}{T}&#10;\newcommand{\norm}[1]{\left\lVert#1\right\rVert}&#10;\newcommand{\E}{\mathbb{E}}&#10;\newcommand{\mdl}{M}&#10;\newcommand{\mdlstruc}{\mathcal{M}}&#10;\pagestyle{empty}&#10;&#10;\begin{document}&#10;&#10; \begin{equation*}&#10;  \hat \theta, \hat {x}(0) = \arg \min_{\theta, x(0)} &#10;\frac{1}{T} \sum_{k=0}^{\nsamp-1} \norm{\hat y^\mathrm{sim}(k) - y(k)}^2&#10; \end{equation*}&#10;&#10;\end{document}"/>
+  <p:tag name="IGUANATEXSIZE" val="24"/>
+  <p:tag name="IGUANATEXCURSOR" val="550"/>
   <p:tag name="TRANSPARENCY" val="True"/>
   <p:tag name="LATEXENGINEID" val="0"/>
   <p:tag name="TEMPFOLDER" val="/Users/marco.forgione/Library/Containers/com.microsoft.Powerpoint/Data/tmp/TemporaryItems/"/>
